--- a/Documents/PowerPoints/Senior Design Project - Gate 6 1.0.pptx
+++ b/Documents/PowerPoints/Senior Design Project - Gate 6 1.0.pptx
@@ -5,24 +5,26 @@
     <p:sldMasterId id="2147483663" r:id="rId1"/>
   </p:sldMasterIdLst>
   <p:notesMasterIdLst>
-    <p:notesMasterId r:id="rId14"/>
+    <p:notesMasterId r:id="rId16"/>
   </p:notesMasterIdLst>
   <p:handoutMasterIdLst>
-    <p:handoutMasterId r:id="rId15"/>
+    <p:handoutMasterId r:id="rId17"/>
   </p:handoutMasterIdLst>
   <p:sldIdLst>
     <p:sldId id="258" r:id="rId2"/>
     <p:sldId id="266" r:id="rId3"/>
     <p:sldId id="279" r:id="rId4"/>
     <p:sldId id="280" r:id="rId5"/>
-    <p:sldId id="272" r:id="rId6"/>
-    <p:sldId id="277" r:id="rId7"/>
-    <p:sldId id="278" r:id="rId8"/>
-    <p:sldId id="276" r:id="rId9"/>
-    <p:sldId id="267" r:id="rId10"/>
+    <p:sldId id="284" r:id="rId6"/>
+    <p:sldId id="272" r:id="rId7"/>
+    <p:sldId id="281" r:id="rId8"/>
+    <p:sldId id="282" r:id="rId9"/>
+    <p:sldId id="283" r:id="rId10"/>
     <p:sldId id="275" r:id="rId11"/>
-    <p:sldId id="268" r:id="rId12"/>
-    <p:sldId id="269" r:id="rId13"/>
+    <p:sldId id="276" r:id="rId12"/>
+    <p:sldId id="267" r:id="rId13"/>
+    <p:sldId id="268" r:id="rId14"/>
+    <p:sldId id="269" r:id="rId15"/>
   </p:sldIdLst>
   <p:sldSz cx="9144000" cy="6858000" type="screen4x3"/>
   <p:notesSz cx="6858000" cy="9144000"/>
@@ -217,7 +219,7 @@
                 <a:latin typeface="Arial" pitchFamily="34" charset="0"/>
               </a:rPr>
               <a:pPr/>
-              <a:t>11/8/2012</a:t>
+              <a:t>11/13/2012</a:t>
             </a:fld>
             <a:endParaRPr lang="en-US" dirty="0">
               <a:latin typeface="Arial" pitchFamily="34" charset="0"/>
@@ -400,7 +402,7 @@
             <a:fld id="{FC1312E8-DAE4-4DB4-9959-6EFE043C5908}" type="datetimeFigureOut">
               <a:rPr lang="en-US" smtClean="0"/>
               <a:pPr/>
-              <a:t>11/8/2012</a:t>
+              <a:t>11/13/2012</a:t>
             </a:fld>
             <a:endParaRPr lang="en-US" dirty="0"/>
           </a:p>
@@ -875,7 +877,7 @@
             <a:fld id="{373724D0-DD0F-42EF-84DE-838DB5D26951}" type="datetime1">
               <a:rPr lang="en-US" smtClean="0"/>
               <a:pPr/>
-              <a:t>11/8/2012</a:t>
+              <a:t>11/13/2012</a:t>
             </a:fld>
             <a:endParaRPr lang="en-US" dirty="0"/>
           </a:p>
@@ -1119,7 +1121,7 @@
             <a:fld id="{7E42FB2E-ABA8-41CA-9C7C-28F5EB525474}" type="datetime1">
               <a:rPr lang="en-US" smtClean="0"/>
               <a:pPr/>
-              <a:t>11/8/2012</a:t>
+              <a:t>11/13/2012</a:t>
             </a:fld>
             <a:endParaRPr lang="en-US" dirty="0"/>
           </a:p>
@@ -1391,7 +1393,7 @@
             <a:fld id="{7E42FB2E-ABA8-41CA-9C7C-28F5EB525474}" type="datetime1">
               <a:rPr lang="en-US" smtClean="0"/>
               <a:pPr/>
-              <a:t>11/8/2012</a:t>
+              <a:t>11/13/2012</a:t>
             </a:fld>
             <a:endParaRPr lang="en-US" dirty="0"/>
           </a:p>
@@ -1804,7 +1806,7 @@
             <a:fld id="{7E42FB2E-ABA8-41CA-9C7C-28F5EB525474}" type="datetime1">
               <a:rPr lang="en-US" smtClean="0"/>
               <a:pPr/>
-              <a:t>11/8/2012</a:t>
+              <a:t>11/13/2012</a:t>
             </a:fld>
             <a:endParaRPr lang="en-US" dirty="0"/>
           </a:p>
@@ -1883,7 +1885,7 @@
             <a:fld id="{1620389F-DE1D-44C7-B37E-89BCC2F680BE}" type="datetime1">
               <a:rPr lang="en-US" smtClean="0"/>
               <a:pPr/>
-              <a:t>11/8/2012</a:t>
+              <a:t>11/13/2012</a:t>
             </a:fld>
             <a:endParaRPr lang="en-US"/>
           </a:p>
@@ -1994,7 +1996,7 @@
             <a:fld id="{7E42FB2E-ABA8-41CA-9C7C-28F5EB525474}" type="datetime1">
               <a:rPr lang="en-US" smtClean="0"/>
               <a:pPr/>
-              <a:t>11/8/2012</a:t>
+              <a:t>11/13/2012</a:t>
             </a:fld>
             <a:endParaRPr lang="en-US" dirty="0"/>
           </a:p>
@@ -2629,7 +2631,7 @@
             <a:fld id="{7E42FB2E-ABA8-41CA-9C7C-28F5EB525474}" type="datetime1">
               <a:rPr lang="en-US" smtClean="0"/>
               <a:pPr/>
-              <a:t>11/8/2012</a:t>
+              <a:t>11/13/2012</a:t>
             </a:fld>
             <a:endParaRPr lang="en-US" dirty="0"/>
           </a:p>
@@ -2725,7 +2727,7 @@
                   </a:schemeClr>
                 </a:solidFill>
               </a:rPr>
-              <a:t>Kickoff/Gate 5</a:t>
+              <a:t>SRR&amp;PDR/Gate 6&amp;7</a:t>
             </a:r>
           </a:p>
         </p:txBody>
@@ -3046,13 +3048,8 @@
             <a:pPr lvl="0"/>
             <a:r>
               <a:rPr lang="en-US" dirty="0" smtClean="0"/>
-              <a:t>Gate </a:t>
-            </a:r>
-            <a:r>
-              <a:rPr lang="en-US" dirty="0" smtClean="0"/>
-              <a:t>6/7: Design Review</a:t>
-            </a:r>
-            <a:endParaRPr lang="en-US" dirty="0" smtClean="0"/>
+              <a:t>Gate 6/7: SRR/PDR</a:t>
+            </a:r>
           </a:p>
           <a:p>
             <a:pPr lvl="0"/>
@@ -3062,11 +3059,7 @@
             <a:pPr lvl="0"/>
             <a:r>
               <a:rPr lang="en-US" dirty="0" smtClean="0"/>
-              <a:t>November 14, </a:t>
-            </a:r>
-            <a:r>
-              <a:rPr lang="en-US" dirty="0" smtClean="0"/>
-              <a:t>2012</a:t>
+              <a:t>November 14, 2012</a:t>
             </a:r>
           </a:p>
         </p:txBody>
@@ -3272,7 +3265,7 @@
             <a:fld id="{373724D0-DD0F-42EF-84DE-838DB5D26951}" type="datetime1">
               <a:rPr lang="en-US" smtClean="0"/>
               <a:pPr/>
-              <a:t>11/8/2012</a:t>
+              <a:t>11/13/2012</a:t>
             </a:fld>
             <a:endParaRPr lang="en-US" dirty="0"/>
           </a:p>
@@ -3304,13 +3297,11 @@
       </p:sp>
       <p:pic>
         <p:nvPicPr>
-          <p:cNvPr id="8" name="Content Placeholder 7"/>
+          <p:cNvPr id="1026" name="Picture 2"/>
           <p:cNvPicPr>
-            <a:picLocks noGrp="1" noChangeAspect="1"/>
+            <a:picLocks noChangeAspect="1" noChangeArrowheads="1"/>
           </p:cNvPicPr>
-          <p:nvPr>
-            <p:ph idx="1"/>
-          </p:nvPr>
+          <p:nvPr/>
         </p:nvPicPr>
         <p:blipFill>
           <a:blip r:embed="rId2">
@@ -3320,15 +3311,180 @@
               </a:ext>
             </a:extLst>
           </a:blip>
+          <a:srcRect/>
           <a:stretch>
             <a:fillRect/>
           </a:stretch>
         </p:blipFill>
-        <p:spPr>
+        <p:spPr bwMode="auto">
           <a:xfrm>
-            <a:off x="457200" y="1510279"/>
-            <a:ext cx="8229600" cy="4107318"/>
+            <a:off x="1008900" y="1513425"/>
+            <a:ext cx="5410200" cy="1123950"/>
           </a:xfrm>
+          <a:prstGeom prst="rect">
+            <a:avLst/>
+          </a:prstGeom>
+          <a:noFill/>
+          <a:ln>
+            <a:noFill/>
+          </a:ln>
+          <a:effectLst/>
+          <a:extLst>
+            <a:ext uri="{909E8E84-426E-40DD-AFC4-6F175D3DCCD1}">
+              <a14:hiddenFill xmlns:a14="http://schemas.microsoft.com/office/drawing/2010/main">
+                <a:solidFill>
+                  <a:schemeClr val="accent1"/>
+                </a:solidFill>
+              </a14:hiddenFill>
+            </a:ext>
+            <a:ext uri="{91240B29-F687-4F45-9708-019B960494DF}">
+              <a14:hiddenLine xmlns:a14="http://schemas.microsoft.com/office/drawing/2010/main" w="9525">
+                <a:solidFill>
+                  <a:schemeClr val="tx1"/>
+                </a:solidFill>
+                <a:miter lim="800000"/>
+                <a:headEnd/>
+                <a:tailEnd/>
+              </a14:hiddenLine>
+            </a:ext>
+            <a:ext uri="{AF507438-7753-43E0-B8FC-AC1667EBCBE1}">
+              <a14:hiddenEffects xmlns:a14="http://schemas.microsoft.com/office/drawing/2010/main">
+                <a:effectLst>
+                  <a:outerShdw dist="35921" dir="2700000" algn="ctr" rotWithShape="0">
+                    <a:schemeClr val="bg2"/>
+                  </a:outerShdw>
+                </a:effectLst>
+              </a14:hiddenEffects>
+            </a:ext>
+          </a:extLst>
+        </p:spPr>
+      </p:pic>
+      <p:pic>
+        <p:nvPicPr>
+          <p:cNvPr id="1027" name="Picture 3"/>
+          <p:cNvPicPr>
+            <a:picLocks noChangeAspect="1" noChangeArrowheads="1"/>
+          </p:cNvPicPr>
+          <p:nvPr/>
+        </p:nvPicPr>
+        <p:blipFill>
+          <a:blip r:embed="rId3">
+            <a:extLst>
+              <a:ext uri="{28A0092B-C50C-407E-A947-70E740481C1C}">
+                <a14:useLocalDpi xmlns:a14="http://schemas.microsoft.com/office/drawing/2010/main" val="0"/>
+              </a:ext>
+            </a:extLst>
+          </a:blip>
+          <a:srcRect/>
+          <a:stretch>
+            <a:fillRect/>
+          </a:stretch>
+        </p:blipFill>
+        <p:spPr bwMode="auto">
+          <a:xfrm>
+            <a:off x="2033700" y="2524125"/>
+            <a:ext cx="5105400" cy="1809750"/>
+          </a:xfrm>
+          <a:prstGeom prst="rect">
+            <a:avLst/>
+          </a:prstGeom>
+          <a:noFill/>
+          <a:ln>
+            <a:noFill/>
+          </a:ln>
+          <a:effectLst/>
+          <a:extLst>
+            <a:ext uri="{909E8E84-426E-40DD-AFC4-6F175D3DCCD1}">
+              <a14:hiddenFill xmlns:a14="http://schemas.microsoft.com/office/drawing/2010/main">
+                <a:solidFill>
+                  <a:schemeClr val="accent1"/>
+                </a:solidFill>
+              </a14:hiddenFill>
+            </a:ext>
+            <a:ext uri="{91240B29-F687-4F45-9708-019B960494DF}">
+              <a14:hiddenLine xmlns:a14="http://schemas.microsoft.com/office/drawing/2010/main" w="9525">
+                <a:solidFill>
+                  <a:schemeClr val="tx1"/>
+                </a:solidFill>
+                <a:miter lim="800000"/>
+                <a:headEnd/>
+                <a:tailEnd/>
+              </a14:hiddenLine>
+            </a:ext>
+            <a:ext uri="{AF507438-7753-43E0-B8FC-AC1667EBCBE1}">
+              <a14:hiddenEffects xmlns:a14="http://schemas.microsoft.com/office/drawing/2010/main">
+                <a:effectLst>
+                  <a:outerShdw dist="35921" dir="2700000" algn="ctr" rotWithShape="0">
+                    <a:schemeClr val="bg2"/>
+                  </a:outerShdw>
+                </a:effectLst>
+              </a14:hiddenEffects>
+            </a:ext>
+          </a:extLst>
+        </p:spPr>
+      </p:pic>
+      <p:pic>
+        <p:nvPicPr>
+          <p:cNvPr id="1028" name="Picture 4"/>
+          <p:cNvPicPr>
+            <a:picLocks noChangeAspect="1" noChangeArrowheads="1"/>
+          </p:cNvPicPr>
+          <p:nvPr/>
+        </p:nvPicPr>
+        <p:blipFill>
+          <a:blip r:embed="rId4">
+            <a:extLst>
+              <a:ext uri="{28A0092B-C50C-407E-A947-70E740481C1C}">
+                <a14:useLocalDpi xmlns:a14="http://schemas.microsoft.com/office/drawing/2010/main" val="0"/>
+              </a:ext>
+            </a:extLst>
+          </a:blip>
+          <a:srcRect/>
+          <a:stretch>
+            <a:fillRect/>
+          </a:stretch>
+        </p:blipFill>
+        <p:spPr bwMode="auto">
+          <a:xfrm>
+            <a:off x="2110500" y="4191300"/>
+            <a:ext cx="6686550" cy="1600200"/>
+          </a:xfrm>
+          <a:prstGeom prst="rect">
+            <a:avLst/>
+          </a:prstGeom>
+          <a:noFill/>
+          <a:ln>
+            <a:noFill/>
+          </a:ln>
+          <a:effectLst/>
+          <a:extLst>
+            <a:ext uri="{909E8E84-426E-40DD-AFC4-6F175D3DCCD1}">
+              <a14:hiddenFill xmlns:a14="http://schemas.microsoft.com/office/drawing/2010/main">
+                <a:solidFill>
+                  <a:schemeClr val="accent1"/>
+                </a:solidFill>
+              </a14:hiddenFill>
+            </a:ext>
+            <a:ext uri="{91240B29-F687-4F45-9708-019B960494DF}">
+              <a14:hiddenLine xmlns:a14="http://schemas.microsoft.com/office/drawing/2010/main" w="9525">
+                <a:solidFill>
+                  <a:schemeClr val="tx1"/>
+                </a:solidFill>
+                <a:miter lim="800000"/>
+                <a:headEnd/>
+                <a:tailEnd/>
+              </a14:hiddenLine>
+            </a:ext>
+            <a:ext uri="{AF507438-7753-43E0-B8FC-AC1667EBCBE1}">
+              <a14:hiddenEffects xmlns:a14="http://schemas.microsoft.com/office/drawing/2010/main">
+                <a:effectLst>
+                  <a:outerShdw dist="35921" dir="2700000" algn="ctr" rotWithShape="0">
+                    <a:schemeClr val="bg2"/>
+                  </a:outerShdw>
+                </a:effectLst>
+              </a14:hiddenEffects>
+            </a:ext>
+          </a:extLst>
         </p:spPr>
       </p:pic>
     </p:spTree>
@@ -3373,6 +3529,370 @@
       </p:grpSpPr>
       <p:sp>
         <p:nvSpPr>
+          <p:cNvPr id="2" name="Title 1"/>
+          <p:cNvSpPr>
+            <a:spLocks noGrp="1"/>
+          </p:cNvSpPr>
+          <p:nvPr>
+            <p:ph type="title"/>
+          </p:nvPr>
+        </p:nvSpPr>
+        <p:spPr>
+          <a:xfrm>
+            <a:off x="715113" y="3456500"/>
+            <a:ext cx="7772400" cy="1362075"/>
+          </a:xfrm>
+        </p:spPr>
+        <p:txBody>
+          <a:bodyPr/>
+          <a:lstStyle/>
+          <a:p>
+            <a:r>
+              <a:rPr lang="en-US" dirty="0"/>
+              <a:t>Backup Slides</a:t>
+            </a:r>
+          </a:p>
+        </p:txBody>
+      </p:sp>
+      <p:sp>
+        <p:nvSpPr>
+          <p:cNvPr id="3" name="Text Placeholder 2"/>
+          <p:cNvSpPr>
+            <a:spLocks noGrp="1"/>
+          </p:cNvSpPr>
+          <p:nvPr>
+            <p:ph type="body" idx="1"/>
+          </p:nvPr>
+        </p:nvSpPr>
+        <p:spPr>
+          <a:xfrm>
+            <a:off x="715113" y="3871513"/>
+            <a:ext cx="7772400" cy="1500187"/>
+          </a:xfrm>
+        </p:spPr>
+        <p:txBody>
+          <a:bodyPr/>
+          <a:lstStyle/>
+          <a:p>
+            <a:r>
+              <a:rPr lang="en-US" dirty="0"/>
+              <a:t>Include extra slides if discussion goes ‘deeper’ and all slides from after meeting</a:t>
+            </a:r>
+          </a:p>
+          <a:p>
+            <a:endParaRPr lang="en-US" dirty="0"/>
+          </a:p>
+        </p:txBody>
+      </p:sp>
+      <p:sp>
+        <p:nvSpPr>
+          <p:cNvPr id="4" name="Date Placeholder 3"/>
+          <p:cNvSpPr>
+            <a:spLocks noGrp="1"/>
+          </p:cNvSpPr>
+          <p:nvPr>
+            <p:ph type="dt" sz="half" idx="10"/>
+          </p:nvPr>
+        </p:nvSpPr>
+        <p:spPr/>
+        <p:txBody>
+          <a:bodyPr/>
+          <a:lstStyle/>
+          <a:p>
+            <a:fld id="{7E42FB2E-ABA8-41CA-9C7C-28F5EB525474}" type="datetime1">
+              <a:rPr lang="en-US" smtClean="0"/>
+              <a:pPr/>
+              <a:t>11/13/2012</a:t>
+            </a:fld>
+            <a:endParaRPr lang="en-US" dirty="0"/>
+          </a:p>
+        </p:txBody>
+      </p:sp>
+      <p:sp>
+        <p:nvSpPr>
+          <p:cNvPr id="5" name="Slide Number Placeholder 4"/>
+          <p:cNvSpPr>
+            <a:spLocks noGrp="1"/>
+          </p:cNvSpPr>
+          <p:nvPr>
+            <p:ph type="sldNum" sz="quarter" idx="12"/>
+          </p:nvPr>
+        </p:nvSpPr>
+        <p:spPr/>
+        <p:txBody>
+          <a:bodyPr/>
+          <a:lstStyle/>
+          <a:p>
+            <a:fld id="{8D57DBB9-07C6-49AB-BFD5-E737C7E241F6}" type="slidenum">
+              <a:rPr lang="en-US" smtClean="0"/>
+              <a:pPr/>
+              <a:t>11</a:t>
+            </a:fld>
+            <a:endParaRPr lang="en-US" dirty="0"/>
+          </a:p>
+        </p:txBody>
+      </p:sp>
+    </p:spTree>
+    <p:extLst>
+      <p:ext uri="{BB962C8B-B14F-4D97-AF65-F5344CB8AC3E}">
+        <p14:creationId xmlns:p14="http://schemas.microsoft.com/office/powerpoint/2010/main" val="3827783441"/>
+      </p:ext>
+    </p:extLst>
+  </p:cSld>
+  <p:clrMapOvr>
+    <a:masterClrMapping/>
+  </p:clrMapOvr>
+  <p:timing>
+    <p:tnLst>
+      <p:par>
+        <p:cTn id="1" dur="indefinite" restart="never" nodeType="tmRoot"/>
+      </p:par>
+    </p:tnLst>
+  </p:timing>
+</p:sld>
+</file>
+
+<file path=ppt/slides/slide12.xml><?xml version="1.0" encoding="utf-8"?>
+<p:sld xmlns:a="http://schemas.openxmlformats.org/drawingml/2006/main" xmlns:r="http://schemas.openxmlformats.org/officeDocument/2006/relationships" xmlns:p="http://schemas.openxmlformats.org/presentationml/2006/main">
+  <p:cSld>
+    <p:spTree>
+      <p:nvGrpSpPr>
+        <p:cNvPr id="1" name=""/>
+        <p:cNvGrpSpPr/>
+        <p:nvPr/>
+      </p:nvGrpSpPr>
+      <p:grpSpPr>
+        <a:xfrm>
+          <a:off x="0" y="0"/>
+          <a:ext cx="0" cy="0"/>
+          <a:chOff x="0" y="0"/>
+          <a:chExt cx="0" cy="0"/>
+        </a:xfrm>
+      </p:grpSpPr>
+      <p:sp>
+        <p:nvSpPr>
+          <p:cNvPr id="7" name="Title 6"/>
+          <p:cNvSpPr>
+            <a:spLocks noGrp="1"/>
+          </p:cNvSpPr>
+          <p:nvPr>
+            <p:ph type="title"/>
+          </p:nvPr>
+        </p:nvSpPr>
+        <p:spPr/>
+        <p:txBody>
+          <a:bodyPr>
+            <a:normAutofit fontScale="90000"/>
+          </a:bodyPr>
+          <a:lstStyle/>
+          <a:p>
+            <a:r>
+              <a:rPr lang="en-US" dirty="0" smtClean="0"/>
+              <a:t>Project Schedule &amp; Milestones</a:t>
+            </a:r>
+            <a:endParaRPr lang="en-US" dirty="0"/>
+          </a:p>
+        </p:txBody>
+      </p:sp>
+      <p:sp>
+        <p:nvSpPr>
+          <p:cNvPr id="8" name="Content Placeholder 7"/>
+          <p:cNvSpPr>
+            <a:spLocks noGrp="1"/>
+          </p:cNvSpPr>
+          <p:nvPr>
+            <p:ph idx="1"/>
+          </p:nvPr>
+        </p:nvSpPr>
+        <p:spPr/>
+        <p:txBody>
+          <a:bodyPr/>
+          <a:lstStyle/>
+          <a:p>
+            <a:r>
+              <a:rPr lang="en-US" dirty="0" smtClean="0"/>
+              <a:t>System Requirements Review:  September 26</a:t>
+            </a:r>
+            <a:r>
+              <a:rPr lang="en-US" baseline="30000" dirty="0" smtClean="0"/>
+              <a:t>th</a:t>
+            </a:r>
+          </a:p>
+          <a:p>
+            <a:r>
+              <a:rPr lang="en-US" dirty="0" smtClean="0"/>
+              <a:t>Preliminary Design Review:        November 14</a:t>
+            </a:r>
+            <a:r>
+              <a:rPr lang="en-US" baseline="30000" dirty="0" smtClean="0"/>
+              <a:t>th</a:t>
+            </a:r>
+            <a:endParaRPr lang="en-US" dirty="0" smtClean="0"/>
+          </a:p>
+          <a:p>
+            <a:r>
+              <a:rPr lang="en-US" dirty="0" smtClean="0"/>
+              <a:t>Alpha Release:                              December 19</a:t>
+            </a:r>
+            <a:r>
+              <a:rPr lang="en-US" baseline="30000" dirty="0" smtClean="0"/>
+              <a:t>th</a:t>
+            </a:r>
+          </a:p>
+          <a:p>
+            <a:r>
+              <a:rPr lang="en-US" dirty="0" smtClean="0"/>
+              <a:t>Beta Release:                                     February 6</a:t>
+            </a:r>
+            <a:r>
+              <a:rPr lang="en-US" baseline="30000" dirty="0" smtClean="0"/>
+              <a:t>th</a:t>
+            </a:r>
+            <a:r>
+              <a:rPr lang="en-US" dirty="0" smtClean="0"/>
+              <a:t> </a:t>
+            </a:r>
+          </a:p>
+          <a:p>
+            <a:r>
+              <a:rPr lang="en-US" dirty="0" smtClean="0"/>
+              <a:t>Critical Design Review:                     February 6</a:t>
+            </a:r>
+            <a:r>
+              <a:rPr lang="en-US" baseline="30000" dirty="0" smtClean="0"/>
+              <a:t>th</a:t>
+            </a:r>
+            <a:endParaRPr lang="en-US" dirty="0" smtClean="0"/>
+          </a:p>
+          <a:p>
+            <a:r>
+              <a:rPr lang="en-US" dirty="0" smtClean="0"/>
+              <a:t>Test Readiness Review:                       March 20</a:t>
+            </a:r>
+            <a:r>
+              <a:rPr lang="en-US" baseline="30000" dirty="0" smtClean="0"/>
+              <a:t>th</a:t>
+            </a:r>
+            <a:endParaRPr lang="en-US" dirty="0" smtClean="0"/>
+          </a:p>
+          <a:p>
+            <a:r>
+              <a:rPr lang="en-US" dirty="0" smtClean="0"/>
+              <a:t>Final Release:                                          April 17</a:t>
+            </a:r>
+            <a:r>
+              <a:rPr lang="en-US" baseline="30000" dirty="0" smtClean="0"/>
+              <a:t>th</a:t>
+            </a:r>
+            <a:endParaRPr lang="en-US" dirty="0" smtClean="0"/>
+          </a:p>
+          <a:p>
+            <a:r>
+              <a:rPr lang="en-US" dirty="0" smtClean="0"/>
+              <a:t>Expo/Out brief:                                       May 22</a:t>
+            </a:r>
+            <a:r>
+              <a:rPr lang="en-US" baseline="30000" dirty="0" smtClean="0"/>
+              <a:t>nd</a:t>
+            </a:r>
+            <a:r>
+              <a:rPr lang="en-US" dirty="0" smtClean="0"/>
+              <a:t> </a:t>
+            </a:r>
+            <a:endParaRPr lang="en-US" dirty="0"/>
+          </a:p>
+        </p:txBody>
+      </p:sp>
+      <p:sp>
+        <p:nvSpPr>
+          <p:cNvPr id="4" name="Date Placeholder 3"/>
+          <p:cNvSpPr>
+            <a:spLocks noGrp="1"/>
+          </p:cNvSpPr>
+          <p:nvPr>
+            <p:ph type="dt" sz="half" idx="10"/>
+          </p:nvPr>
+        </p:nvSpPr>
+        <p:spPr/>
+        <p:txBody>
+          <a:bodyPr/>
+          <a:lstStyle/>
+          <a:p>
+            <a:fld id="{7E42FB2E-ABA8-41CA-9C7C-28F5EB525474}" type="datetime1">
+              <a:rPr lang="en-US" smtClean="0"/>
+              <a:pPr/>
+              <a:t>11/13/2012</a:t>
+            </a:fld>
+            <a:endParaRPr lang="en-US" dirty="0"/>
+          </a:p>
+        </p:txBody>
+      </p:sp>
+      <p:sp>
+        <p:nvSpPr>
+          <p:cNvPr id="5" name="Slide Number Placeholder 4"/>
+          <p:cNvSpPr>
+            <a:spLocks noGrp="1"/>
+          </p:cNvSpPr>
+          <p:nvPr>
+            <p:ph type="sldNum" sz="quarter" idx="12"/>
+          </p:nvPr>
+        </p:nvSpPr>
+        <p:spPr/>
+        <p:txBody>
+          <a:bodyPr/>
+          <a:lstStyle/>
+          <a:p>
+            <a:fld id="{8D57DBB9-07C6-49AB-BFD5-E737C7E241F6}" type="slidenum">
+              <a:rPr lang="en-US" smtClean="0"/>
+              <a:pPr/>
+              <a:t>12</a:t>
+            </a:fld>
+            <a:endParaRPr lang="en-US" dirty="0"/>
+          </a:p>
+        </p:txBody>
+      </p:sp>
+    </p:spTree>
+    <p:extLst>
+      <p:ext uri="{BB962C8B-B14F-4D97-AF65-F5344CB8AC3E}">
+        <p14:creationId xmlns:p14="http://schemas.microsoft.com/office/powerpoint/2010/main" val="3661795386"/>
+      </p:ext>
+    </p:extLst>
+  </p:cSld>
+  <p:clrMapOvr>
+    <a:masterClrMapping/>
+  </p:clrMapOvr>
+  <p:transition>
+    <p:fade/>
+  </p:transition>
+  <p:timing>
+    <p:tnLst>
+      <p:par>
+        <p:cTn id="1" dur="indefinite" restart="never" nodeType="tmRoot"/>
+      </p:par>
+    </p:tnLst>
+  </p:timing>
+</p:sld>
+</file>
+
+<file path=ppt/slides/slide13.xml><?xml version="1.0" encoding="utf-8"?>
+<p:sld xmlns:a="http://schemas.openxmlformats.org/drawingml/2006/main" xmlns:r="http://schemas.openxmlformats.org/officeDocument/2006/relationships" xmlns:p="http://schemas.openxmlformats.org/presentationml/2006/main">
+  <p:cSld>
+    <p:spTree>
+      <p:nvGrpSpPr>
+        <p:cNvPr id="1" name=""/>
+        <p:cNvGrpSpPr/>
+        <p:nvPr/>
+      </p:nvGrpSpPr>
+      <p:grpSpPr>
+        <a:xfrm>
+          <a:off x="0" y="0"/>
+          <a:ext cx="0" cy="0"/>
+          <a:chOff x="0" y="0"/>
+          <a:chExt cx="0" cy="0"/>
+        </a:xfrm>
+      </p:grpSpPr>
+      <p:sp>
+        <p:nvSpPr>
           <p:cNvPr id="6" name="Title 5"/>
           <p:cNvSpPr>
             <a:spLocks noGrp="1"/>
@@ -3419,7 +3939,7 @@
             <a:fld id="{7E42FB2E-ABA8-41CA-9C7C-28F5EB525474}" type="datetime1">
               <a:rPr lang="en-US" smtClean="0"/>
               <a:pPr/>
-              <a:t>11/8/2012</a:t>
+              <a:t>11/13/2012</a:t>
             </a:fld>
             <a:endParaRPr lang="en-US" dirty="0"/>
           </a:p>
@@ -3443,7 +3963,7 @@
             <a:fld id="{8D57DBB9-07C6-49AB-BFD5-E737C7E241F6}" type="slidenum">
               <a:rPr lang="en-US" smtClean="0"/>
               <a:pPr/>
-              <a:t>11</a:t>
+              <a:t>13</a:t>
             </a:fld>
             <a:endParaRPr lang="en-US" dirty="0"/>
           </a:p>
@@ -4363,21 +4883,13 @@
             </a:bodyPr>
             <a:lstStyle/>
             <a:p>
-              <a:pPr marL="0" marR="0" indent="0" algn="ctr" defTabSz="914400" rtl="0" eaLnBrk="0" fontAlgn="base" latinLnBrk="0" hangingPunct="0">
-                <a:lnSpc>
-                  <a:spcPct val="100000"/>
-                </a:lnSpc>
+              <a:pPr algn="ctr" eaLnBrk="0" fontAlgn="base" hangingPunct="0">
                 <a:spcBef>
                   <a:spcPct val="0"/>
                 </a:spcBef>
                 <a:spcAft>
                   <a:spcPct val="0"/>
                 </a:spcAft>
-                <a:buClrTx/>
-                <a:buSzTx/>
-                <a:buFontTx/>
-                <a:buNone/>
-                <a:tabLst/>
               </a:pPr>
               <a:r>
                 <a:rPr lang="en-US" sz="1200" b="1" dirty="0" smtClean="0">
@@ -4386,7 +4898,16 @@
                   </a:solidFill>
                   <a:latin typeface="+mj-lt"/>
                 </a:rPr>
-                <a:t>TBD</a:t>
+                <a:t>Doug </a:t>
+              </a:r>
+              <a:r>
+                <a:rPr lang="en-US" sz="1200" b="1" dirty="0" err="1" smtClean="0">
+                  <a:solidFill>
+                    <a:sysClr val="windowText" lastClr="000000"/>
+                  </a:solidFill>
+                  <a:latin typeface="+mj-lt"/>
+                </a:rPr>
+                <a:t>Dusseau</a:t>
               </a:r>
               <a:endParaRPr lang="en-US" sz="1200" b="1" dirty="0">
                 <a:solidFill>
@@ -4680,7 +5201,7 @@
 </p:sld>
 </file>
 
-<file path=ppt/slides/slide12.xml><?xml version="1.0" encoding="utf-8"?>
+<file path=ppt/slides/slide14.xml><?xml version="1.0" encoding="utf-8"?>
 <p:sld xmlns:a="http://schemas.openxmlformats.org/drawingml/2006/main" xmlns:r="http://schemas.openxmlformats.org/officeDocument/2006/relationships" xmlns:p="http://schemas.openxmlformats.org/presentationml/2006/main">
   <p:cSld>
     <p:spTree>
@@ -4747,16 +5268,23 @@
           <a:p>
             <a:pPr lvl="1"/>
             <a:r>
-              <a:rPr lang="en-US" sz="2000" dirty="0" smtClean="0"/>
-              <a:t>Find a </a:t>
-            </a:r>
-            <a:r>
-              <a:rPr lang="en-US" sz="2000" dirty="0"/>
-              <a:t>mapping engine that </a:t>
-            </a:r>
-            <a:r>
-              <a:rPr lang="en-US" sz="2000" dirty="0" smtClean="0"/>
-              <a:t>supports Raytheon’s map format</a:t>
+              <a:rPr lang="en-US" sz="2400" dirty="0"/>
+              <a:t>Performance of the system</a:t>
+            </a:r>
+          </a:p>
+          <a:p>
+            <a:pPr lvl="1"/>
+            <a:r>
+              <a:rPr lang="en-US" sz="2400" dirty="0" smtClean="0"/>
+              <a:t>Organizing </a:t>
+            </a:r>
+            <a:r>
+              <a:rPr lang="en-US" sz="2400" dirty="0"/>
+              <a:t>data in the correct format in a timely </a:t>
+            </a:r>
+            <a:r>
+              <a:rPr lang="en-US" sz="2400" dirty="0" smtClean="0"/>
+              <a:t>manner</a:t>
             </a:r>
           </a:p>
           <a:p>
@@ -4768,35 +5296,34 @@
           <a:p>
             <a:pPr lvl="1"/>
             <a:r>
-              <a:rPr lang="en-US" sz="2000" dirty="0" smtClean="0"/>
-              <a:t>There exists a mapping tool that provides the ability to perform basic functionality </a:t>
-            </a:r>
-            <a:r>
-              <a:rPr lang="en-US" sz="2000" dirty="0"/>
-              <a:t>(e.g. panning, zooming</a:t>
-            </a:r>
-            <a:r>
-              <a:rPr lang="en-US" sz="2000" dirty="0" smtClean="0"/>
-              <a:t>)</a:t>
+              <a:rPr lang="en-US" sz="2400" dirty="0"/>
+              <a:t>There exists an open source mapping engine for Android devices</a:t>
             </a:r>
           </a:p>
           <a:p>
             <a:pPr lvl="1"/>
             <a:r>
-              <a:rPr lang="en-US" sz="2000" dirty="0"/>
-              <a:t>Libraries for pulling mapping information from local server (e.g. </a:t>
-            </a:r>
-            <a:r>
-              <a:rPr lang="en-US" sz="2000" dirty="0" err="1"/>
-              <a:t>Wifi</a:t>
-            </a:r>
-            <a:r>
-              <a:rPr lang="en-US" sz="2000" dirty="0"/>
-              <a:t>, USB</a:t>
-            </a:r>
-            <a:r>
-              <a:rPr lang="en-US" sz="2000" dirty="0" smtClean="0"/>
-              <a:t>)</a:t>
+              <a:rPr lang="en-US" sz="2400" dirty="0" smtClean="0"/>
+              <a:t>The </a:t>
+            </a:r>
+            <a:r>
+              <a:rPr lang="en-US" sz="2400" dirty="0"/>
+              <a:t>mapping engine does not require an internet connection to run</a:t>
+            </a:r>
+          </a:p>
+          <a:p>
+            <a:pPr lvl="1"/>
+            <a:r>
+              <a:rPr lang="en-US" sz="2400" dirty="0" smtClean="0"/>
+              <a:t>Android </a:t>
+            </a:r>
+            <a:r>
+              <a:rPr lang="en-US" sz="2400" dirty="0"/>
+              <a:t>devices can connect to a local </a:t>
+            </a:r>
+            <a:r>
+              <a:rPr lang="en-US" sz="2400" dirty="0" smtClean="0"/>
+              <a:t>server</a:t>
             </a:r>
           </a:p>
           <a:p>
@@ -4808,12 +5335,9 @@
           <a:p>
             <a:pPr lvl="1"/>
             <a:r>
-              <a:rPr lang="en-US" sz="2000" dirty="0" smtClean="0"/>
-              <a:t>Google’s mapping engine may provide many required features</a:t>
-            </a:r>
-          </a:p>
-          <a:p>
-            <a:endParaRPr lang="en-US" sz="2400" dirty="0"/>
+              <a:rPr lang="en-US" sz="2400" dirty="0"/>
+              <a:t>Finding a feature complete mapping engine</a:t>
+            </a:r>
           </a:p>
         </p:txBody>
       </p:sp>
@@ -4835,7 +5359,7 @@
             <a:fld id="{1620389F-DE1D-44C7-B37E-89BCC2F680BE}" type="datetime1">
               <a:rPr lang="en-US" smtClean="0"/>
               <a:pPr/>
-              <a:t>11/8/2012</a:t>
+              <a:t>11/13/2012</a:t>
             </a:fld>
             <a:endParaRPr lang="en-US"/>
           </a:p>
@@ -4859,7 +5383,7 @@
             <a:fld id="{8D57DBB9-07C6-49AB-BFD5-E737C7E241F6}" type="slidenum">
               <a:rPr lang="en-US" smtClean="0"/>
               <a:pPr/>
-              <a:t>12</a:t>
+              <a:t>14</a:t>
             </a:fld>
             <a:endParaRPr lang="en-US"/>
           </a:p>
@@ -4998,11 +5522,7 @@
             <a:pPr marL="233363" indent="-177800"/>
             <a:r>
               <a:rPr lang="en-US" sz="1600" dirty="0" smtClean="0"/>
-              <a:t>Raytheon will provide one 10” Samsung Galaxy </a:t>
-            </a:r>
-            <a:r>
-              <a:rPr lang="en-US" sz="1600" dirty="0" smtClean="0"/>
-              <a:t>Tablet</a:t>
+              <a:t>Raytheon will provide one 10” Samsung Galaxy Tablet</a:t>
             </a:r>
           </a:p>
           <a:p>
@@ -5011,7 +5531,6 @@
               <a:rPr lang="en-US" sz="1600" dirty="0" smtClean="0"/>
               <a:t>Raytheon will provide one 7” Samsung Galaxy Tablet</a:t>
             </a:r>
-            <a:endParaRPr lang="en-US" sz="1600" dirty="0" smtClean="0"/>
           </a:p>
           <a:p>
             <a:pPr marL="55563" indent="0">
@@ -5035,7 +5554,6 @@
               <a:rPr lang="en-US" sz="1600" dirty="0" smtClean="0"/>
               <a:t>Requirements approval by 11/15</a:t>
             </a:r>
-            <a:endParaRPr lang="en-US" sz="1600" dirty="0" smtClean="0"/>
           </a:p>
           <a:p>
             <a:pPr marL="233363" indent="-177800"/>
@@ -5043,7 +5561,6 @@
               <a:rPr lang="en-US" sz="1600" dirty="0" smtClean="0"/>
               <a:t>Design Approval by 11/26</a:t>
             </a:r>
-            <a:endParaRPr lang="en-US" sz="1600" dirty="0" smtClean="0"/>
           </a:p>
           <a:p>
             <a:pPr marL="55563" indent="0">
@@ -5175,11 +5692,7 @@
             </a:pPr>
             <a:r>
               <a:rPr lang="en-US" sz="1600" dirty="0" smtClean="0"/>
-              <a:t>	</a:t>
-            </a:r>
-            <a:r>
-              <a:rPr lang="en-US" sz="1600" dirty="0" smtClean="0"/>
-              <a:t>Critical </a:t>
+              <a:t>	Critical </a:t>
             </a:r>
             <a:r>
               <a:rPr lang="en-US" sz="1600" dirty="0" err="1" smtClean="0"/>
@@ -5187,33 +5700,8 @@
             </a:r>
             <a:r>
               <a:rPr lang="en-US" sz="1600" dirty="0" smtClean="0"/>
-              <a:t> </a:t>
-            </a:r>
-            <a:r>
-              <a:rPr lang="en-US" sz="1600" dirty="0" smtClean="0"/>
-              <a:t>Review </a:t>
-            </a:r>
-            <a:r>
-              <a:rPr lang="en-US" sz="1600" dirty="0" smtClean="0"/>
-              <a:t>(</a:t>
-            </a:r>
-            <a:r>
-              <a:rPr lang="en-US" sz="1600" dirty="0" smtClean="0"/>
-              <a:t>CD</a:t>
-            </a:r>
-            <a:r>
-              <a:rPr lang="en-US" sz="1600" dirty="0" smtClean="0"/>
-              <a:t>R</a:t>
-            </a:r>
-            <a:r>
-              <a:rPr lang="en-US" sz="1600" dirty="0" smtClean="0"/>
-              <a:t>) – </a:t>
-            </a:r>
-            <a:r>
-              <a:rPr lang="en-US" sz="1600" dirty="0" smtClean="0"/>
-              <a:t>13 Feb 2013</a:t>
-            </a:r>
-            <a:endParaRPr lang="en-US" sz="1600" dirty="0" smtClean="0"/>
+              <a:t> Review (CDR) – 13 Feb 2013</a:t>
+            </a:r>
           </a:p>
         </p:txBody>
       </p:sp>
@@ -5235,7 +5723,7 @@
             <a:fld id="{373724D0-DD0F-42EF-84DE-838DB5D26951}" type="datetime1">
               <a:rPr lang="en-US" smtClean="0"/>
               <a:pPr/>
-              <a:t>11/8/2012</a:t>
+              <a:t>11/13/2012</a:t>
             </a:fld>
             <a:endParaRPr lang="en-US" dirty="0"/>
           </a:p>
@@ -5378,7 +5866,7 @@
             <a:fld id="{373724D0-DD0F-42EF-84DE-838DB5D26951}" type="datetime1">
               <a:rPr lang="en-US" smtClean="0"/>
               <a:pPr/>
-              <a:t>11/8/2012</a:t>
+              <a:t>11/13/2012</a:t>
             </a:fld>
             <a:endParaRPr lang="en-US" dirty="0"/>
           </a:p>
@@ -7259,11 +7747,7 @@
                     <a:p>
                       <a:r>
                         <a:rPr lang="en-US" dirty="0" smtClean="0"/>
-                        <a:t>The system shall let the user change default settings via a settings </a:t>
-                      </a:r>
-                      <a:r>
-                        <a:rPr lang="en-US" dirty="0" smtClean="0"/>
-                        <a:t>menu</a:t>
+                        <a:t>The system shall let the user change default settings via a settings menu</a:t>
                       </a:r>
                       <a:r>
                         <a:rPr lang="en-US" baseline="0" dirty="0" smtClean="0"/>
@@ -7271,11 +7755,7 @@
                       </a:r>
                       <a:r>
                         <a:rPr lang="en-US" dirty="0" smtClean="0"/>
-                        <a:t>found </a:t>
-                      </a:r>
-                      <a:r>
-                        <a:rPr lang="en-US" dirty="0" smtClean="0"/>
-                        <a:t>in the menu bar</a:t>
+                        <a:t>found in the menu bar</a:t>
                       </a:r>
                     </a:p>
                   </a:txBody>
@@ -7394,7 +7874,7 @@
             <a:fld id="{373724D0-DD0F-42EF-84DE-838DB5D26951}" type="datetime1">
               <a:rPr lang="en-US" smtClean="0"/>
               <a:pPr/>
-              <a:t>11/8/2012</a:t>
+              <a:t>11/13/2012</a:t>
             </a:fld>
             <a:endParaRPr lang="en-US" dirty="0"/>
           </a:p>
@@ -7483,7 +7963,69 @@
           <a:p>
             <a:r>
               <a:rPr lang="en-US" dirty="0" smtClean="0"/>
-              <a:t>High Level Architecture</a:t>
+              <a:t>Deliverable Diagrams</a:t>
+            </a:r>
+            <a:endParaRPr lang="en-US" dirty="0"/>
+          </a:p>
+        </p:txBody>
+      </p:sp>
+      <p:sp>
+        <p:nvSpPr>
+          <p:cNvPr id="3" name="Content Placeholder 2"/>
+          <p:cNvSpPr>
+            <a:spLocks noGrp="1"/>
+          </p:cNvSpPr>
+          <p:nvPr>
+            <p:ph idx="1"/>
+          </p:nvPr>
+        </p:nvSpPr>
+        <p:spPr/>
+        <p:txBody>
+          <a:bodyPr/>
+          <a:lstStyle/>
+          <a:p>
+            <a:r>
+              <a:rPr lang="en-US" dirty="0" smtClean="0"/>
+              <a:t>High Level Overview</a:t>
+            </a:r>
+          </a:p>
+          <a:p>
+            <a:r>
+              <a:rPr lang="en-US" dirty="0" smtClean="0"/>
+              <a:t>Package Diagram</a:t>
+            </a:r>
+          </a:p>
+          <a:p>
+            <a:r>
+              <a:rPr lang="en-US" dirty="0" smtClean="0"/>
+              <a:t>System Sequence Diagrams</a:t>
+            </a:r>
+          </a:p>
+          <a:p>
+            <a:pPr lvl="1"/>
+            <a:r>
+              <a:rPr lang="en-US" dirty="0" smtClean="0"/>
+              <a:t>Get Map Tile</a:t>
+            </a:r>
+          </a:p>
+          <a:p>
+            <a:pPr lvl="1"/>
+            <a:r>
+              <a:rPr lang="en-US" dirty="0" smtClean="0"/>
+              <a:t>Get POI</a:t>
+            </a:r>
+          </a:p>
+          <a:p>
+            <a:r>
+              <a:rPr lang="en-US" dirty="0" smtClean="0"/>
+              <a:t>UML Class Diagram</a:t>
+            </a:r>
+          </a:p>
+          <a:p>
+            <a:pPr lvl="1"/>
+            <a:r>
+              <a:rPr lang="en-US" dirty="0" smtClean="0"/>
+              <a:t>Part of Final Design</a:t>
             </a:r>
             <a:endParaRPr lang="en-US" dirty="0"/>
           </a:p>
@@ -7507,7 +8049,7 @@
             <a:fld id="{373724D0-DD0F-42EF-84DE-838DB5D26951}" type="datetime1">
               <a:rPr lang="en-US" smtClean="0"/>
               <a:pPr/>
-              <a:t>11/8/2012</a:t>
+              <a:t>11/13/2012</a:t>
             </a:fld>
             <a:endParaRPr lang="en-US" dirty="0"/>
           </a:p>
@@ -7532,6 +8074,112 @@
               <a:rPr lang="en-US" smtClean="0"/>
               <a:pPr/>
               <a:t>5</a:t>
+            </a:fld>
+            <a:endParaRPr lang="en-US"/>
+          </a:p>
+        </p:txBody>
+      </p:sp>
+    </p:spTree>
+    <p:extLst>
+      <p:ext uri="{BB962C8B-B14F-4D97-AF65-F5344CB8AC3E}">
+        <p14:creationId xmlns:p14="http://schemas.microsoft.com/office/powerpoint/2010/main" val="3289708333"/>
+      </p:ext>
+    </p:extLst>
+  </p:cSld>
+  <p:clrMapOvr>
+    <a:masterClrMapping/>
+  </p:clrMapOvr>
+  <p:transition>
+    <p:fade/>
+  </p:transition>
+</p:sld>
+</file>
+
+<file path=ppt/slides/slide6.xml><?xml version="1.0" encoding="utf-8"?>
+<p:sld xmlns:a="http://schemas.openxmlformats.org/drawingml/2006/main" xmlns:r="http://schemas.openxmlformats.org/officeDocument/2006/relationships" xmlns:p="http://schemas.openxmlformats.org/presentationml/2006/main">
+  <p:cSld>
+    <p:spTree>
+      <p:nvGrpSpPr>
+        <p:cNvPr id="1" name=""/>
+        <p:cNvGrpSpPr/>
+        <p:nvPr/>
+      </p:nvGrpSpPr>
+      <p:grpSpPr>
+        <a:xfrm>
+          <a:off x="0" y="0"/>
+          <a:ext cx="0" cy="0"/>
+          <a:chOff x="0" y="0"/>
+          <a:chExt cx="0" cy="0"/>
+        </a:xfrm>
+      </p:grpSpPr>
+      <p:sp>
+        <p:nvSpPr>
+          <p:cNvPr id="2" name="Title 1"/>
+          <p:cNvSpPr>
+            <a:spLocks noGrp="1"/>
+          </p:cNvSpPr>
+          <p:nvPr>
+            <p:ph type="title"/>
+          </p:nvPr>
+        </p:nvSpPr>
+        <p:spPr/>
+        <p:txBody>
+          <a:bodyPr>
+            <a:normAutofit fontScale="90000"/>
+          </a:bodyPr>
+          <a:lstStyle/>
+          <a:p>
+            <a:r>
+              <a:rPr lang="en-US" dirty="0" smtClean="0"/>
+              <a:t>High Level Architecture</a:t>
+            </a:r>
+            <a:endParaRPr lang="en-US" dirty="0"/>
+          </a:p>
+        </p:txBody>
+      </p:sp>
+      <p:sp>
+        <p:nvSpPr>
+          <p:cNvPr id="4" name="Date Placeholder 3"/>
+          <p:cNvSpPr>
+            <a:spLocks noGrp="1"/>
+          </p:cNvSpPr>
+          <p:nvPr>
+            <p:ph type="dt" sz="half" idx="10"/>
+          </p:nvPr>
+        </p:nvSpPr>
+        <p:spPr/>
+        <p:txBody>
+          <a:bodyPr/>
+          <a:lstStyle/>
+          <a:p>
+            <a:fld id="{373724D0-DD0F-42EF-84DE-838DB5D26951}" type="datetime1">
+              <a:rPr lang="en-US" smtClean="0"/>
+              <a:pPr/>
+              <a:t>11/13/2012</a:t>
+            </a:fld>
+            <a:endParaRPr lang="en-US" dirty="0"/>
+          </a:p>
+        </p:txBody>
+      </p:sp>
+      <p:sp>
+        <p:nvSpPr>
+          <p:cNvPr id="5" name="Slide Number Placeholder 4"/>
+          <p:cNvSpPr>
+            <a:spLocks noGrp="1"/>
+          </p:cNvSpPr>
+          <p:nvPr>
+            <p:ph type="sldNum" sz="quarter" idx="12"/>
+          </p:nvPr>
+        </p:nvSpPr>
+        <p:spPr/>
+        <p:txBody>
+          <a:bodyPr/>
+          <a:lstStyle/>
+          <a:p>
+            <a:fld id="{8D57DBB9-07C6-49AB-BFD5-E737C7E241F6}" type="slidenum">
+              <a:rPr lang="en-US" smtClean="0"/>
+              <a:pPr/>
+              <a:t>6</a:t>
             </a:fld>
             <a:endParaRPr lang="en-US"/>
           </a:p>
@@ -7589,183 +8237,6 @@
 </p:sld>
 </file>
 
-<file path=ppt/slides/slide6.xml><?xml version="1.0" encoding="utf-8"?>
-<p:sld xmlns:a="http://schemas.openxmlformats.org/drawingml/2006/main" xmlns:r="http://schemas.openxmlformats.org/officeDocument/2006/relationships" xmlns:p="http://schemas.openxmlformats.org/presentationml/2006/main">
-  <p:cSld>
-    <p:spTree>
-      <p:nvGrpSpPr>
-        <p:cNvPr id="1" name=""/>
-        <p:cNvGrpSpPr/>
-        <p:nvPr/>
-      </p:nvGrpSpPr>
-      <p:grpSpPr>
-        <a:xfrm>
-          <a:off x="0" y="0"/>
-          <a:ext cx="0" cy="0"/>
-          <a:chOff x="0" y="0"/>
-          <a:chExt cx="0" cy="0"/>
-        </a:xfrm>
-      </p:grpSpPr>
-      <p:sp>
-        <p:nvSpPr>
-          <p:cNvPr id="2" name="Date Placeholder 1"/>
-          <p:cNvSpPr>
-            <a:spLocks noGrp="1"/>
-          </p:cNvSpPr>
-          <p:nvPr>
-            <p:ph type="dt" sz="half" idx="10"/>
-          </p:nvPr>
-        </p:nvSpPr>
-        <p:spPr/>
-        <p:txBody>
-          <a:bodyPr/>
-          <a:lstStyle/>
-          <a:p>
-            <a:fld id="{1620389F-DE1D-44C7-B37E-89BCC2F680BE}" type="datetime1">
-              <a:rPr lang="en-US" smtClean="0"/>
-              <a:pPr/>
-              <a:t>11/8/2012</a:t>
-            </a:fld>
-            <a:endParaRPr lang="en-US"/>
-          </a:p>
-        </p:txBody>
-      </p:sp>
-      <p:sp>
-        <p:nvSpPr>
-          <p:cNvPr id="3" name="Slide Number Placeholder 2"/>
-          <p:cNvSpPr>
-            <a:spLocks noGrp="1"/>
-          </p:cNvSpPr>
-          <p:nvPr>
-            <p:ph type="sldNum" sz="quarter" idx="12"/>
-          </p:nvPr>
-        </p:nvSpPr>
-        <p:spPr/>
-        <p:txBody>
-          <a:bodyPr/>
-          <a:lstStyle/>
-          <a:p>
-            <a:fld id="{8D57DBB9-07C6-49AB-BFD5-E737C7E241F6}" type="slidenum">
-              <a:rPr lang="en-US" smtClean="0"/>
-              <a:pPr/>
-              <a:t>6</a:t>
-            </a:fld>
-            <a:endParaRPr lang="en-US"/>
-          </a:p>
-        </p:txBody>
-      </p:sp>
-      <p:sp>
-        <p:nvSpPr>
-          <p:cNvPr id="4" name="Title 3"/>
-          <p:cNvSpPr>
-            <a:spLocks noGrp="1"/>
-          </p:cNvSpPr>
-          <p:nvPr>
-            <p:ph type="title"/>
-          </p:nvPr>
-        </p:nvSpPr>
-        <p:spPr/>
-        <p:txBody>
-          <a:bodyPr>
-            <a:normAutofit fontScale="90000"/>
-          </a:bodyPr>
-          <a:lstStyle/>
-          <a:p>
-            <a:r>
-              <a:rPr lang="en-US" dirty="0" smtClean="0"/>
-              <a:t>Package Diagram</a:t>
-            </a:r>
-            <a:endParaRPr lang="en-US" dirty="0"/>
-          </a:p>
-        </p:txBody>
-      </p:sp>
-      <p:pic>
-        <p:nvPicPr>
-          <p:cNvPr id="1026" name="Picture 2"/>
-          <p:cNvPicPr>
-            <a:picLocks noChangeAspect="1" noChangeArrowheads="1"/>
-          </p:cNvPicPr>
-          <p:nvPr/>
-        </p:nvPicPr>
-        <p:blipFill>
-          <a:blip r:embed="rId2">
-            <a:extLst>
-              <a:ext uri="{28A0092B-C50C-407E-A947-70E740481C1C}">
-                <a14:useLocalDpi xmlns:a14="http://schemas.microsoft.com/office/drawing/2010/main" val="0"/>
-              </a:ext>
-            </a:extLst>
-          </a:blip>
-          <a:srcRect/>
-          <a:stretch>
-            <a:fillRect/>
-          </a:stretch>
-        </p:blipFill>
-        <p:spPr bwMode="auto">
-          <a:xfrm>
-            <a:off x="1173600" y="927342"/>
-            <a:ext cx="7260788" cy="5344871"/>
-          </a:xfrm>
-          <a:prstGeom prst="rect">
-            <a:avLst/>
-          </a:prstGeom>
-          <a:noFill/>
-          <a:ln>
-            <a:noFill/>
-          </a:ln>
-          <a:effectLst/>
-          <a:extLst>
-            <a:ext uri="{909E8E84-426E-40DD-AFC4-6F175D3DCCD1}">
-              <a14:hiddenFill xmlns:a14="http://schemas.microsoft.com/office/drawing/2010/main">
-                <a:solidFill>
-                  <a:schemeClr val="accent1"/>
-                </a:solidFill>
-              </a14:hiddenFill>
-            </a:ext>
-            <a:ext uri="{91240B29-F687-4F45-9708-019B960494DF}">
-              <a14:hiddenLine xmlns:a14="http://schemas.microsoft.com/office/drawing/2010/main" w="9525">
-                <a:solidFill>
-                  <a:schemeClr val="tx1"/>
-                </a:solidFill>
-                <a:miter lim="800000"/>
-                <a:headEnd/>
-                <a:tailEnd/>
-              </a14:hiddenLine>
-            </a:ext>
-            <a:ext uri="{AF507438-7753-43E0-B8FC-AC1667EBCBE1}">
-              <a14:hiddenEffects xmlns:a14="http://schemas.microsoft.com/office/drawing/2010/main">
-                <a:effectLst>
-                  <a:outerShdw dist="35921" dir="2700000" algn="ctr" rotWithShape="0">
-                    <a:schemeClr val="bg2"/>
-                  </a:outerShdw>
-                </a:effectLst>
-              </a14:hiddenEffects>
-            </a:ext>
-          </a:extLst>
-        </p:spPr>
-      </p:pic>
-    </p:spTree>
-    <p:extLst>
-      <p:ext uri="{BB962C8B-B14F-4D97-AF65-F5344CB8AC3E}">
-        <p14:creationId xmlns:p14="http://schemas.microsoft.com/office/powerpoint/2010/main" val="4019503645"/>
-      </p:ext>
-    </p:extLst>
-  </p:cSld>
-  <p:clrMapOvr>
-    <a:masterClrMapping/>
-  </p:clrMapOvr>
-  <p:transition>
-    <p:fade/>
-  </p:transition>
-  <p:timing>
-    <p:tnLst>
-      <p:par>
-        <p:cTn id="1" dur="indefinite" restart="never" nodeType="tmRoot"/>
-      </p:par>
-    </p:tnLst>
-  </p:timing>
-</p:sld>
-</file>
-
 <file path=ppt/slides/slide7.xml><?xml version="1.0" encoding="utf-8"?>
 <p:sld xmlns:a="http://schemas.openxmlformats.org/drawingml/2006/main" xmlns:r="http://schemas.openxmlformats.org/officeDocument/2006/relationships" xmlns:p="http://schemas.openxmlformats.org/presentationml/2006/main">
   <p:cSld>
@@ -7785,55 +8256,7 @@
       </p:grpSpPr>
       <p:sp>
         <p:nvSpPr>
-          <p:cNvPr id="2" name="Date Placeholder 1"/>
-          <p:cNvSpPr>
-            <a:spLocks noGrp="1"/>
-          </p:cNvSpPr>
-          <p:nvPr>
-            <p:ph type="dt" sz="half" idx="10"/>
-          </p:nvPr>
-        </p:nvSpPr>
-        <p:spPr/>
-        <p:txBody>
-          <a:bodyPr/>
-          <a:lstStyle/>
-          <a:p>
-            <a:fld id="{1620389F-DE1D-44C7-B37E-89BCC2F680BE}" type="datetime1">
-              <a:rPr lang="en-US" smtClean="0"/>
-              <a:pPr/>
-              <a:t>11/8/2012</a:t>
-            </a:fld>
-            <a:endParaRPr lang="en-US"/>
-          </a:p>
-        </p:txBody>
-      </p:sp>
-      <p:sp>
-        <p:nvSpPr>
-          <p:cNvPr id="3" name="Slide Number Placeholder 2"/>
-          <p:cNvSpPr>
-            <a:spLocks noGrp="1"/>
-          </p:cNvSpPr>
-          <p:nvPr>
-            <p:ph type="sldNum" sz="quarter" idx="12"/>
-          </p:nvPr>
-        </p:nvSpPr>
-        <p:spPr/>
-        <p:txBody>
-          <a:bodyPr/>
-          <a:lstStyle/>
-          <a:p>
-            <a:fld id="{8D57DBB9-07C6-49AB-BFD5-E737C7E241F6}" type="slidenum">
-              <a:rPr lang="en-US" smtClean="0"/>
-              <a:pPr/>
-              <a:t>7</a:t>
-            </a:fld>
-            <a:endParaRPr lang="en-US"/>
-          </a:p>
-        </p:txBody>
-      </p:sp>
-      <p:sp>
-        <p:nvSpPr>
-          <p:cNvPr id="4" name="Title 3"/>
+          <p:cNvPr id="2" name="Title 1"/>
           <p:cNvSpPr>
             <a:spLocks noGrp="1"/>
           </p:cNvSpPr>
@@ -7850,7 +8273,7 @@
           <a:p>
             <a:r>
               <a:rPr lang="en-US" dirty="0" smtClean="0"/>
-              <a:t>Package Diagram Cont.</a:t>
+              <a:t>Package Diagram</a:t>
             </a:r>
             <a:endParaRPr lang="en-US" dirty="0"/>
           </a:p>
@@ -7858,11 +8281,13 @@
       </p:sp>
       <p:pic>
         <p:nvPicPr>
-          <p:cNvPr id="2050" name="Picture 2"/>
+          <p:cNvPr id="6" name="Content Placeholder 5"/>
           <p:cNvPicPr>
-            <a:picLocks noChangeAspect="1" noChangeArrowheads="1"/>
+            <a:picLocks noGrp="1" noChangeAspect="1"/>
           </p:cNvPicPr>
-          <p:nvPr/>
+          <p:nvPr>
+            <p:ph idx="1"/>
+          </p:nvPr>
         </p:nvPicPr>
         <p:blipFill>
           <a:blip r:embed="rId2">
@@ -7872,58 +8297,69 @@
               </a:ext>
             </a:extLst>
           </a:blip>
-          <a:srcRect/>
           <a:stretch>
             <a:fillRect/>
           </a:stretch>
         </p:blipFill>
-        <p:spPr bwMode="auto">
+        <p:spPr>
           <a:xfrm>
-            <a:off x="2662238" y="1433513"/>
-            <a:ext cx="3819525" cy="3990975"/>
+            <a:off x="770243" y="855663"/>
+            <a:ext cx="7603513" cy="5416550"/>
           </a:xfrm>
-          <a:prstGeom prst="rect">
-            <a:avLst/>
-          </a:prstGeom>
-          <a:noFill/>
-          <a:ln>
-            <a:noFill/>
-          </a:ln>
-          <a:effectLst/>
-          <a:extLst>
-            <a:ext uri="{909E8E84-426E-40DD-AFC4-6F175D3DCCD1}">
-              <a14:hiddenFill xmlns:a14="http://schemas.microsoft.com/office/drawing/2010/main">
-                <a:solidFill>
-                  <a:schemeClr val="accent1"/>
-                </a:solidFill>
-              </a14:hiddenFill>
-            </a:ext>
-            <a:ext uri="{91240B29-F687-4F45-9708-019B960494DF}">
-              <a14:hiddenLine xmlns:a14="http://schemas.microsoft.com/office/drawing/2010/main" w="9525">
-                <a:solidFill>
-                  <a:schemeClr val="tx1"/>
-                </a:solidFill>
-                <a:miter lim="800000"/>
-                <a:headEnd/>
-                <a:tailEnd/>
-              </a14:hiddenLine>
-            </a:ext>
-            <a:ext uri="{AF507438-7753-43E0-B8FC-AC1667EBCBE1}">
-              <a14:hiddenEffects xmlns:a14="http://schemas.microsoft.com/office/drawing/2010/main">
-                <a:effectLst>
-                  <a:outerShdw dist="35921" dir="2700000" algn="ctr" rotWithShape="0">
-                    <a:schemeClr val="bg2"/>
-                  </a:outerShdw>
-                </a:effectLst>
-              </a14:hiddenEffects>
-            </a:ext>
-          </a:extLst>
         </p:spPr>
       </p:pic>
+      <p:sp>
+        <p:nvSpPr>
+          <p:cNvPr id="4" name="Date Placeholder 3"/>
+          <p:cNvSpPr>
+            <a:spLocks noGrp="1"/>
+          </p:cNvSpPr>
+          <p:nvPr>
+            <p:ph type="dt" sz="half" idx="10"/>
+          </p:nvPr>
+        </p:nvSpPr>
+        <p:spPr/>
+        <p:txBody>
+          <a:bodyPr/>
+          <a:lstStyle/>
+          <a:p>
+            <a:fld id="{373724D0-DD0F-42EF-84DE-838DB5D26951}" type="datetime1">
+              <a:rPr lang="en-US" smtClean="0"/>
+              <a:pPr/>
+              <a:t>11/13/2012</a:t>
+            </a:fld>
+            <a:endParaRPr lang="en-US" dirty="0"/>
+          </a:p>
+        </p:txBody>
+      </p:sp>
+      <p:sp>
+        <p:nvSpPr>
+          <p:cNvPr id="5" name="Slide Number Placeholder 4"/>
+          <p:cNvSpPr>
+            <a:spLocks noGrp="1"/>
+          </p:cNvSpPr>
+          <p:nvPr>
+            <p:ph type="sldNum" sz="quarter" idx="12"/>
+          </p:nvPr>
+        </p:nvSpPr>
+        <p:spPr/>
+        <p:txBody>
+          <a:bodyPr/>
+          <a:lstStyle/>
+          <a:p>
+            <a:fld id="{8D57DBB9-07C6-49AB-BFD5-E737C7E241F6}" type="slidenum">
+              <a:rPr lang="en-US" smtClean="0"/>
+              <a:pPr/>
+              <a:t>7</a:t>
+            </a:fld>
+            <a:endParaRPr lang="en-US"/>
+          </a:p>
+        </p:txBody>
+      </p:sp>
     </p:spTree>
     <p:extLst>
       <p:ext uri="{BB962C8B-B14F-4D97-AF65-F5344CB8AC3E}">
-        <p14:creationId xmlns:p14="http://schemas.microsoft.com/office/powerpoint/2010/main" val="4121306607"/>
+        <p14:creationId xmlns:p14="http://schemas.microsoft.com/office/powerpoint/2010/main" val="2245051550"/>
       </p:ext>
     </p:extLst>
   </p:cSld>
@@ -7933,13 +8369,6 @@
   <p:transition>
     <p:fade/>
   </p:transition>
-  <p:timing>
-    <p:tnLst>
-      <p:par>
-        <p:cTn id="1" dur="indefinite" restart="never" nodeType="tmRoot"/>
-      </p:par>
-    </p:tnLst>
-  </p:timing>
 </p:sld>
 </file>
 
@@ -7970,53 +8399,50 @@
             <p:ph type="title"/>
           </p:nvPr>
         </p:nvSpPr>
+        <p:spPr/>
+        <p:txBody>
+          <a:bodyPr>
+            <a:normAutofit fontScale="90000"/>
+          </a:bodyPr>
+          <a:lstStyle/>
+          <a:p>
+            <a:r>
+              <a:rPr lang="en-US" dirty="0" smtClean="0"/>
+              <a:t>Get Map Tile Sequence</a:t>
+            </a:r>
+            <a:endParaRPr lang="en-US" dirty="0"/>
+          </a:p>
+        </p:txBody>
+      </p:sp>
+      <p:pic>
+        <p:nvPicPr>
+          <p:cNvPr id="6" name="Content Placeholder 5"/>
+          <p:cNvPicPr>
+            <a:picLocks noGrp="1" noChangeAspect="1"/>
+          </p:cNvPicPr>
+          <p:nvPr>
+            <p:ph idx="1"/>
+          </p:nvPr>
+        </p:nvPicPr>
+        <p:blipFill>
+          <a:blip r:embed="rId2">
+            <a:extLst>
+              <a:ext uri="{28A0092B-C50C-407E-A947-70E740481C1C}">
+                <a14:useLocalDpi xmlns:a14="http://schemas.microsoft.com/office/drawing/2010/main" val="0"/>
+              </a:ext>
+            </a:extLst>
+          </a:blip>
+          <a:stretch>
+            <a:fillRect/>
+          </a:stretch>
+        </p:blipFill>
         <p:spPr>
           <a:xfrm>
-            <a:off x="715113" y="3456500"/>
-            <a:ext cx="7772400" cy="1362075"/>
+            <a:off x="1123950" y="2044700"/>
+            <a:ext cx="6896100" cy="3038475"/>
           </a:xfrm>
         </p:spPr>
-        <p:txBody>
-          <a:bodyPr/>
-          <a:lstStyle/>
-          <a:p>
-            <a:r>
-              <a:rPr lang="en-US" dirty="0"/>
-              <a:t>Backup Slides</a:t>
-            </a:r>
-          </a:p>
-        </p:txBody>
-      </p:sp>
-      <p:sp>
-        <p:nvSpPr>
-          <p:cNvPr id="3" name="Text Placeholder 2"/>
-          <p:cNvSpPr>
-            <a:spLocks noGrp="1"/>
-          </p:cNvSpPr>
-          <p:nvPr>
-            <p:ph type="body" idx="1"/>
-          </p:nvPr>
-        </p:nvSpPr>
-        <p:spPr>
-          <a:xfrm>
-            <a:off x="715113" y="3871513"/>
-            <a:ext cx="7772400" cy="1500187"/>
-          </a:xfrm>
-        </p:spPr>
-        <p:txBody>
-          <a:bodyPr/>
-          <a:lstStyle/>
-          <a:p>
-            <a:r>
-              <a:rPr lang="en-US" dirty="0"/>
-              <a:t>Include extra slides if discussion goes ‘deeper’ and all slides from after meeting</a:t>
-            </a:r>
-          </a:p>
-          <a:p>
-            <a:endParaRPr lang="en-US" dirty="0"/>
-          </a:p>
-        </p:txBody>
-      </p:sp>
+      </p:pic>
       <p:sp>
         <p:nvSpPr>
           <p:cNvPr id="4" name="Date Placeholder 3"/>
@@ -8032,10 +8458,10 @@
           <a:bodyPr/>
           <a:lstStyle/>
           <a:p>
-            <a:fld id="{7E42FB2E-ABA8-41CA-9C7C-28F5EB525474}" type="datetime1">
+            <a:fld id="{373724D0-DD0F-42EF-84DE-838DB5D26951}" type="datetime1">
               <a:rPr lang="en-US" smtClean="0"/>
               <a:pPr/>
-              <a:t>11/8/2012</a:t>
+              <a:t>11/13/2012</a:t>
             </a:fld>
             <a:endParaRPr lang="en-US" dirty="0"/>
           </a:p>
@@ -8061,27 +8487,23 @@
               <a:pPr/>
               <a:t>8</a:t>
             </a:fld>
-            <a:endParaRPr lang="en-US" dirty="0"/>
+            <a:endParaRPr lang="en-US"/>
           </a:p>
         </p:txBody>
       </p:sp>
     </p:spTree>
     <p:extLst>
       <p:ext uri="{BB962C8B-B14F-4D97-AF65-F5344CB8AC3E}">
-        <p14:creationId xmlns:p14="http://schemas.microsoft.com/office/powerpoint/2010/main" val="3827783441"/>
+        <p14:creationId xmlns:p14="http://schemas.microsoft.com/office/powerpoint/2010/main" val="2072683749"/>
       </p:ext>
     </p:extLst>
   </p:cSld>
   <p:clrMapOvr>
     <a:masterClrMapping/>
   </p:clrMapOvr>
-  <p:timing>
-    <p:tnLst>
-      <p:par>
-        <p:cTn id="1" dur="indefinite" restart="never" nodeType="tmRoot"/>
-      </p:par>
-    </p:tnLst>
-  </p:timing>
+  <p:transition>
+    <p:fade/>
+  </p:transition>
 </p:sld>
 </file>
 
@@ -8104,7 +8526,7 @@
       </p:grpSpPr>
       <p:sp>
         <p:nvSpPr>
-          <p:cNvPr id="7" name="Title 6"/>
+          <p:cNvPr id="2" name="Title 1"/>
           <p:cNvSpPr>
             <a:spLocks noGrp="1"/>
           </p:cNvSpPr>
@@ -8121,121 +8543,40 @@
           <a:p>
             <a:r>
               <a:rPr lang="en-US" dirty="0" smtClean="0"/>
-              <a:t>Project Schedule &amp; Milestones</a:t>
+              <a:t>Get POI Sequence</a:t>
             </a:r>
             <a:endParaRPr lang="en-US" dirty="0"/>
           </a:p>
         </p:txBody>
       </p:sp>
-      <p:sp>
-        <p:nvSpPr>
-          <p:cNvPr id="8" name="Content Placeholder 7"/>
-          <p:cNvSpPr>
-            <a:spLocks noGrp="1"/>
-          </p:cNvSpPr>
+      <p:pic>
+        <p:nvPicPr>
+          <p:cNvPr id="6" name="Content Placeholder 5"/>
+          <p:cNvPicPr>
+            <a:picLocks noGrp="1" noChangeAspect="1"/>
+          </p:cNvPicPr>
           <p:nvPr>
             <p:ph idx="1"/>
           </p:nvPr>
-        </p:nvSpPr>
-        <p:spPr/>
-        <p:txBody>
-          <a:bodyPr/>
-          <a:lstStyle/>
-          <a:p>
-            <a:r>
-              <a:rPr lang="en-US" dirty="0" smtClean="0"/>
-              <a:t>System Requirements Review:  September 26</a:t>
-            </a:r>
-            <a:r>
-              <a:rPr lang="en-US" baseline="30000" dirty="0" smtClean="0"/>
-              <a:t>th</a:t>
-            </a:r>
-          </a:p>
-          <a:p>
-            <a:r>
-              <a:rPr lang="en-US" dirty="0" smtClean="0"/>
-              <a:t>Preliminary Design Review:            October 31</a:t>
-            </a:r>
-            <a:r>
-              <a:rPr lang="en-US" baseline="30000" dirty="0" smtClean="0"/>
-              <a:t>st</a:t>
-            </a:r>
-            <a:endParaRPr lang="en-US" dirty="0" smtClean="0"/>
-          </a:p>
-          <a:p>
-            <a:r>
-              <a:rPr lang="en-US" dirty="0" smtClean="0"/>
-              <a:t>Alpha Release:                              December 19</a:t>
-            </a:r>
-            <a:r>
-              <a:rPr lang="en-US" baseline="30000" dirty="0" smtClean="0"/>
-              <a:t>th</a:t>
-            </a:r>
-          </a:p>
-          <a:p>
-            <a:r>
-              <a:rPr lang="en-US" dirty="0" smtClean="0"/>
-              <a:t>Beta Release:                                     February 6</a:t>
-            </a:r>
-            <a:r>
-              <a:rPr lang="en-US" baseline="30000" dirty="0" smtClean="0"/>
-              <a:t>th</a:t>
-            </a:r>
-            <a:r>
-              <a:rPr lang="en-US" dirty="0" smtClean="0"/>
-              <a:t> </a:t>
-            </a:r>
-          </a:p>
-          <a:p>
-            <a:r>
-              <a:rPr lang="en-US" dirty="0" smtClean="0"/>
-              <a:t>Critical Design Review:                     February 6</a:t>
-            </a:r>
-            <a:r>
-              <a:rPr lang="en-US" baseline="30000" dirty="0" smtClean="0"/>
-              <a:t>th</a:t>
-            </a:r>
-            <a:endParaRPr lang="en-US" dirty="0" smtClean="0"/>
-          </a:p>
-          <a:p>
-            <a:r>
-              <a:rPr lang="en-US" dirty="0" smtClean="0"/>
-              <a:t>Test Readiness Review:                       March 20</a:t>
-            </a:r>
-            <a:r>
-              <a:rPr lang="en-US" baseline="30000" dirty="0" smtClean="0"/>
-              <a:t>th</a:t>
-            </a:r>
-            <a:endParaRPr lang="en-US" dirty="0" smtClean="0"/>
-          </a:p>
-          <a:p>
-            <a:r>
-              <a:rPr lang="en-US" dirty="0" smtClean="0"/>
-              <a:t>Final Release:                                          April 17</a:t>
-            </a:r>
-            <a:r>
-              <a:rPr lang="en-US" baseline="30000" dirty="0" smtClean="0"/>
-              <a:t>th</a:t>
-            </a:r>
-            <a:endParaRPr lang="en-US" dirty="0" smtClean="0"/>
-          </a:p>
-          <a:p>
-            <a:r>
-              <a:rPr lang="en-US" dirty="0" smtClean="0"/>
-              <a:t>Expo/Out brief:                                       May 22</a:t>
-            </a:r>
-            <a:r>
-              <a:rPr lang="en-US" baseline="30000" dirty="0" smtClean="0"/>
-              <a:t>nd</a:t>
-            </a:r>
-            <a:r>
-              <a:rPr lang="en-US" dirty="0" smtClean="0"/>
-              <a:t> </a:t>
-            </a:r>
-            <a:endParaRPr lang="en-US" dirty="0"/>
-          </a:p>
-        </p:txBody>
-      </p:sp>
+        </p:nvPicPr>
+        <p:blipFill rotWithShape="1">
+          <a:blip r:embed="rId2">
+            <a:extLst>
+              <a:ext uri="{28A0092B-C50C-407E-A947-70E740481C1C}">
+                <a14:useLocalDpi xmlns:a14="http://schemas.microsoft.com/office/drawing/2010/main" val="0"/>
+              </a:ext>
+            </a:extLst>
+          </a:blip>
+          <a:srcRect b="25806"/>
+          <a:stretch/>
+        </p:blipFill>
+        <p:spPr>
+          <a:xfrm>
+            <a:off x="1670016" y="1388463"/>
+            <a:ext cx="5803968" cy="4018737"/>
+          </a:xfrm>
+        </p:spPr>
+      </p:pic>
       <p:sp>
         <p:nvSpPr>
           <p:cNvPr id="4" name="Date Placeholder 3"/>
@@ -8251,10 +8592,10 @@
           <a:bodyPr/>
           <a:lstStyle/>
           <a:p>
-            <a:fld id="{7E42FB2E-ABA8-41CA-9C7C-28F5EB525474}" type="datetime1">
+            <a:fld id="{373724D0-DD0F-42EF-84DE-838DB5D26951}" type="datetime1">
               <a:rPr lang="en-US" smtClean="0"/>
               <a:pPr/>
-              <a:t>11/8/2012</a:t>
+              <a:t>11/13/2012</a:t>
             </a:fld>
             <a:endParaRPr lang="en-US" dirty="0"/>
           </a:p>
@@ -8280,14 +8621,14 @@
               <a:pPr/>
               <a:t>9</a:t>
             </a:fld>
-            <a:endParaRPr lang="en-US" dirty="0"/>
+            <a:endParaRPr lang="en-US"/>
           </a:p>
         </p:txBody>
       </p:sp>
     </p:spTree>
     <p:extLst>
       <p:ext uri="{BB962C8B-B14F-4D97-AF65-F5344CB8AC3E}">
-        <p14:creationId xmlns:p14="http://schemas.microsoft.com/office/powerpoint/2010/main" val="3661795386"/>
+        <p14:creationId xmlns:p14="http://schemas.microsoft.com/office/powerpoint/2010/main" val="301173666"/>
       </p:ext>
     </p:extLst>
   </p:cSld>
@@ -8297,13 +8638,6 @@
   <p:transition>
     <p:fade/>
   </p:transition>
-  <p:timing>
-    <p:tnLst>
-      <p:par>
-        <p:cTn id="1" dur="indefinite" restart="never" nodeType="tmRoot"/>
-      </p:par>
-    </p:tnLst>
-  </p:timing>
 </p:sld>
 </file>
 

--- a/Documents/PowerPoints/Senior Design Project - Gate 6 1.0.pptx
+++ b/Documents/PowerPoints/Senior Design Project - Gate 6 1.0.pptx
@@ -5,10 +5,10 @@
     <p:sldMasterId id="2147483663" r:id="rId1"/>
   </p:sldMasterIdLst>
   <p:notesMasterIdLst>
-    <p:notesMasterId r:id="rId16"/>
+    <p:notesMasterId r:id="rId17"/>
   </p:notesMasterIdLst>
   <p:handoutMasterIdLst>
-    <p:handoutMasterId r:id="rId17"/>
+    <p:handoutMasterId r:id="rId18"/>
   </p:handoutMasterIdLst>
   <p:sldIdLst>
     <p:sldId id="258" r:id="rId2"/>
@@ -25,6 +25,7 @@
     <p:sldId id="267" r:id="rId13"/>
     <p:sldId id="268" r:id="rId14"/>
     <p:sldId id="269" r:id="rId15"/>
+    <p:sldId id="285" r:id="rId16"/>
   </p:sldIdLst>
   <p:sldSz cx="9144000" cy="6858000" type="screen4x3"/>
   <p:notesSz cx="6858000" cy="9144000"/>
@@ -126,6 +127,21 @@
 </p:presentation>
 </file>
 
+<file path=ppt/commentAuthors.xml><?xml version="1.0" encoding="utf-8"?>
+<p:cmAuthorLst xmlns:a="http://schemas.openxmlformats.org/drawingml/2006/main" xmlns:r="http://schemas.openxmlformats.org/officeDocument/2006/relationships" xmlns:p="http://schemas.openxmlformats.org/presentationml/2006/main">
+  <p:cmAuthor id="0" name="atniptw" initials="a" lastIdx="1" clrIdx="0"/>
+</p:cmAuthorLst>
+</file>
+
+<file path=ppt/comments/comment1.xml><?xml version="1.0" encoding="utf-8"?>
+<p:cmLst xmlns:a="http://schemas.openxmlformats.org/drawingml/2006/main" xmlns:r="http://schemas.openxmlformats.org/officeDocument/2006/relationships" xmlns:p="http://schemas.openxmlformats.org/presentationml/2006/main">
+  <p:cm authorId="0" dt="2012-11-14T12:20:41.675" idx="1">
+    <p:pos x="2744" y="2014"/>
+    <p:text>have already been done</p:text>
+  </p:cm>
+</p:cmLst>
+</file>
+
 <file path=ppt/handoutMasters/handoutMaster1.xml><?xml version="1.0" encoding="utf-8"?>
 <p:handoutMaster xmlns:a="http://schemas.openxmlformats.org/drawingml/2006/main" xmlns:r="http://schemas.openxmlformats.org/officeDocument/2006/relationships" xmlns:p="http://schemas.openxmlformats.org/presentationml/2006/main">
   <p:cSld>
@@ -219,7 +235,7 @@
                 <a:latin typeface="Arial" pitchFamily="34" charset="0"/>
               </a:rPr>
               <a:pPr/>
-              <a:t>11/13/2012</a:t>
+              <a:t>11/14/2012</a:t>
             </a:fld>
             <a:endParaRPr lang="en-US" dirty="0">
               <a:latin typeface="Arial" pitchFamily="34" charset="0"/>
@@ -402,7 +418,7 @@
             <a:fld id="{FC1312E8-DAE4-4DB4-9959-6EFE043C5908}" type="datetimeFigureOut">
               <a:rPr lang="en-US" smtClean="0"/>
               <a:pPr/>
-              <a:t>11/13/2012</a:t>
+              <a:t>11/14/2012</a:t>
             </a:fld>
             <a:endParaRPr lang="en-US" dirty="0"/>
           </a:p>
@@ -877,7 +893,7 @@
             <a:fld id="{373724D0-DD0F-42EF-84DE-838DB5D26951}" type="datetime1">
               <a:rPr lang="en-US" smtClean="0"/>
               <a:pPr/>
-              <a:t>11/13/2012</a:t>
+              <a:t>11/14/2012</a:t>
             </a:fld>
             <a:endParaRPr lang="en-US" dirty="0"/>
           </a:p>
@@ -1121,7 +1137,7 @@
             <a:fld id="{7E42FB2E-ABA8-41CA-9C7C-28F5EB525474}" type="datetime1">
               <a:rPr lang="en-US" smtClean="0"/>
               <a:pPr/>
-              <a:t>11/13/2012</a:t>
+              <a:t>11/14/2012</a:t>
             </a:fld>
             <a:endParaRPr lang="en-US" dirty="0"/>
           </a:p>
@@ -1393,7 +1409,7 @@
             <a:fld id="{7E42FB2E-ABA8-41CA-9C7C-28F5EB525474}" type="datetime1">
               <a:rPr lang="en-US" smtClean="0"/>
               <a:pPr/>
-              <a:t>11/13/2012</a:t>
+              <a:t>11/14/2012</a:t>
             </a:fld>
             <a:endParaRPr lang="en-US" dirty="0"/>
           </a:p>
@@ -1806,7 +1822,7 @@
             <a:fld id="{7E42FB2E-ABA8-41CA-9C7C-28F5EB525474}" type="datetime1">
               <a:rPr lang="en-US" smtClean="0"/>
               <a:pPr/>
-              <a:t>11/13/2012</a:t>
+              <a:t>11/14/2012</a:t>
             </a:fld>
             <a:endParaRPr lang="en-US" dirty="0"/>
           </a:p>
@@ -1885,7 +1901,7 @@
             <a:fld id="{1620389F-DE1D-44C7-B37E-89BCC2F680BE}" type="datetime1">
               <a:rPr lang="en-US" smtClean="0"/>
               <a:pPr/>
-              <a:t>11/13/2012</a:t>
+              <a:t>11/14/2012</a:t>
             </a:fld>
             <a:endParaRPr lang="en-US"/>
           </a:p>
@@ -1996,7 +2012,7 @@
             <a:fld id="{7E42FB2E-ABA8-41CA-9C7C-28F5EB525474}" type="datetime1">
               <a:rPr lang="en-US" smtClean="0"/>
               <a:pPr/>
-              <a:t>11/13/2012</a:t>
+              <a:t>11/14/2012</a:t>
             </a:fld>
             <a:endParaRPr lang="en-US" dirty="0"/>
           </a:p>
@@ -2631,7 +2647,7 @@
             <a:fld id="{7E42FB2E-ABA8-41CA-9C7C-28F5EB525474}" type="datetime1">
               <a:rPr lang="en-US" smtClean="0"/>
               <a:pPr/>
-              <a:t>11/13/2012</a:t>
+              <a:t>11/14/2012</a:t>
             </a:fld>
             <a:endParaRPr lang="en-US" dirty="0"/>
           </a:p>
@@ -3265,7 +3281,7 @@
             <a:fld id="{373724D0-DD0F-42EF-84DE-838DB5D26951}" type="datetime1">
               <a:rPr lang="en-US" smtClean="0"/>
               <a:pPr/>
-              <a:t>11/13/2012</a:t>
+              <a:t>11/14/2012</a:t>
             </a:fld>
             <a:endParaRPr lang="en-US" dirty="0"/>
           </a:p>
@@ -3602,7 +3618,7 @@
             <a:fld id="{7E42FB2E-ABA8-41CA-9C7C-28F5EB525474}" type="datetime1">
               <a:rPr lang="en-US" smtClean="0"/>
               <a:pPr/>
-              <a:t>11/13/2012</a:t>
+              <a:t>11/14/2012</a:t>
             </a:fld>
             <a:endParaRPr lang="en-US" dirty="0"/>
           </a:p>
@@ -3821,7 +3837,7 @@
             <a:fld id="{7E42FB2E-ABA8-41CA-9C7C-28F5EB525474}" type="datetime1">
               <a:rPr lang="en-US" smtClean="0"/>
               <a:pPr/>
-              <a:t>11/13/2012</a:t>
+              <a:t>11/14/2012</a:t>
             </a:fld>
             <a:endParaRPr lang="en-US" dirty="0"/>
           </a:p>
@@ -3939,7 +3955,7 @@
             <a:fld id="{7E42FB2E-ABA8-41CA-9C7C-28F5EB525474}" type="datetime1">
               <a:rPr lang="en-US" smtClean="0"/>
               <a:pPr/>
-              <a:t>11/13/2012</a:t>
+              <a:t>11/14/2012</a:t>
             </a:fld>
             <a:endParaRPr lang="en-US" dirty="0"/>
           </a:p>
@@ -5286,6 +5302,7 @@
               <a:rPr lang="en-US" sz="2400" dirty="0" smtClean="0"/>
               <a:t>manner</a:t>
             </a:r>
+            <a:endParaRPr lang="en-US" sz="2400" dirty="0" smtClean="0"/>
           </a:p>
           <a:p>
             <a:r>
@@ -5296,35 +5313,18 @@
           <a:p>
             <a:pPr lvl="1"/>
             <a:r>
-              <a:rPr lang="en-US" sz="2400" dirty="0"/>
-              <a:t>There exists an open source mapping engine for Android devices</a:t>
-            </a:r>
+              <a:rPr lang="en-US" sz="2400" dirty="0" smtClean="0"/>
+              <a:t>Map data exists in a format that can be easily manipulated</a:t>
+            </a:r>
+            <a:endParaRPr lang="en-US" sz="2400" dirty="0"/>
           </a:p>
           <a:p>
             <a:pPr lvl="1"/>
             <a:r>
               <a:rPr lang="en-US" sz="2400" dirty="0" smtClean="0"/>
-              <a:t>The </a:t>
-            </a:r>
-            <a:r>
-              <a:rPr lang="en-US" sz="2400" dirty="0"/>
-              <a:t>mapping engine does not require an internet connection to run</a:t>
-            </a:r>
-          </a:p>
-          <a:p>
-            <a:pPr lvl="1"/>
-            <a:r>
-              <a:rPr lang="en-US" sz="2400" dirty="0" smtClean="0"/>
-              <a:t>Android </a:t>
-            </a:r>
-            <a:r>
-              <a:rPr lang="en-US" sz="2400" dirty="0"/>
-              <a:t>devices can connect to a local </a:t>
-            </a:r>
-            <a:r>
-              <a:rPr lang="en-US" sz="2400" dirty="0" smtClean="0"/>
-              <a:t>server</a:t>
-            </a:r>
+              <a:t>Android device can cache enough map data to allow for smooth map transitions</a:t>
+            </a:r>
+            <a:endParaRPr lang="en-US" sz="2400" dirty="0" smtClean="0"/>
           </a:p>
           <a:p>
             <a:r>
@@ -5359,7 +5359,7 @@
             <a:fld id="{1620389F-DE1D-44C7-B37E-89BCC2F680BE}" type="datetime1">
               <a:rPr lang="en-US" smtClean="0"/>
               <a:pPr/>
-              <a:t>11/13/2012</a:t>
+              <a:t>11/14/2012</a:t>
             </a:fld>
             <a:endParaRPr lang="en-US"/>
           </a:p>
@@ -5412,6 +5412,141 @@
 </p:sld>
 </file>
 
+<file path=ppt/slides/slide15.xml><?xml version="1.0" encoding="utf-8"?>
+<p:sld xmlns:a="http://schemas.openxmlformats.org/drawingml/2006/main" xmlns:r="http://schemas.openxmlformats.org/officeDocument/2006/relationships" xmlns:p="http://schemas.openxmlformats.org/presentationml/2006/main">
+  <p:cSld>
+    <p:spTree>
+      <p:nvGrpSpPr>
+        <p:cNvPr id="1" name=""/>
+        <p:cNvGrpSpPr/>
+        <p:nvPr/>
+      </p:nvGrpSpPr>
+      <p:grpSpPr>
+        <a:xfrm>
+          <a:off x="0" y="0"/>
+          <a:ext cx="0" cy="0"/>
+          <a:chOff x="0" y="0"/>
+          <a:chExt cx="0" cy="0"/>
+        </a:xfrm>
+      </p:grpSpPr>
+      <p:sp>
+        <p:nvSpPr>
+          <p:cNvPr id="2" name="Title 1"/>
+          <p:cNvSpPr>
+            <a:spLocks noGrp="1"/>
+          </p:cNvSpPr>
+          <p:nvPr>
+            <p:ph type="title"/>
+          </p:nvPr>
+        </p:nvSpPr>
+        <p:spPr/>
+        <p:txBody>
+          <a:bodyPr>
+            <a:normAutofit fontScale="90000"/>
+          </a:bodyPr>
+          <a:lstStyle/>
+          <a:p>
+            <a:r>
+              <a:rPr lang="en-US" dirty="0" smtClean="0"/>
+              <a:t>Map Tile Folder Structure</a:t>
+            </a:r>
+            <a:endParaRPr lang="en-US" dirty="0"/>
+          </a:p>
+        </p:txBody>
+      </p:sp>
+      <p:pic>
+        <p:nvPicPr>
+          <p:cNvPr id="6" name="Content Placeholder 5"/>
+          <p:cNvPicPr>
+            <a:picLocks noGrp="1" noChangeAspect="1"/>
+          </p:cNvPicPr>
+          <p:nvPr>
+            <p:ph idx="1"/>
+          </p:nvPr>
+        </p:nvPicPr>
+        <p:blipFill>
+          <a:blip r:embed="rId2">
+            <a:extLst>
+              <a:ext uri="{28A0092B-C50C-407E-A947-70E740481C1C}">
+                <a14:useLocalDpi xmlns:a14="http://schemas.microsoft.com/office/drawing/2010/main" val="0"/>
+              </a:ext>
+            </a:extLst>
+          </a:blip>
+          <a:stretch>
+            <a:fillRect/>
+          </a:stretch>
+        </p:blipFill>
+        <p:spPr>
+          <a:xfrm>
+            <a:off x="1223962" y="1725613"/>
+            <a:ext cx="6696075" cy="3676650"/>
+          </a:xfrm>
+        </p:spPr>
+      </p:pic>
+      <p:sp>
+        <p:nvSpPr>
+          <p:cNvPr id="4" name="Date Placeholder 3"/>
+          <p:cNvSpPr>
+            <a:spLocks noGrp="1"/>
+          </p:cNvSpPr>
+          <p:nvPr>
+            <p:ph type="dt" sz="half" idx="10"/>
+          </p:nvPr>
+        </p:nvSpPr>
+        <p:spPr/>
+        <p:txBody>
+          <a:bodyPr/>
+          <a:lstStyle/>
+          <a:p>
+            <a:fld id="{373724D0-DD0F-42EF-84DE-838DB5D26951}" type="datetime1">
+              <a:rPr lang="en-US" smtClean="0"/>
+              <a:pPr/>
+              <a:t>11/14/2012</a:t>
+            </a:fld>
+            <a:endParaRPr lang="en-US" dirty="0"/>
+          </a:p>
+        </p:txBody>
+      </p:sp>
+      <p:sp>
+        <p:nvSpPr>
+          <p:cNvPr id="5" name="Slide Number Placeholder 4"/>
+          <p:cNvSpPr>
+            <a:spLocks noGrp="1"/>
+          </p:cNvSpPr>
+          <p:nvPr>
+            <p:ph type="sldNum" sz="quarter" idx="12"/>
+          </p:nvPr>
+        </p:nvSpPr>
+        <p:spPr/>
+        <p:txBody>
+          <a:bodyPr/>
+          <a:lstStyle/>
+          <a:p>
+            <a:fld id="{8D57DBB9-07C6-49AB-BFD5-E737C7E241F6}" type="slidenum">
+              <a:rPr lang="en-US" smtClean="0"/>
+              <a:pPr/>
+              <a:t>15</a:t>
+            </a:fld>
+            <a:endParaRPr lang="en-US"/>
+          </a:p>
+        </p:txBody>
+      </p:sp>
+    </p:spTree>
+    <p:extLst>
+      <p:ext uri="{BB962C8B-B14F-4D97-AF65-F5344CB8AC3E}">
+        <p14:creationId xmlns:p14="http://schemas.microsoft.com/office/powerpoint/2010/main" val="2334655479"/>
+      </p:ext>
+    </p:extLst>
+  </p:cSld>
+  <p:clrMapOvr>
+    <a:masterClrMapping/>
+  </p:clrMapOvr>
+  <p:transition>
+    <p:fade/>
+  </p:transition>
+</p:sld>
+</file>
+
 <file path=ppt/slides/slide2.xml><?xml version="1.0" encoding="utf-8"?>
 <p:sld xmlns:a="http://schemas.openxmlformats.org/drawingml/2006/main" xmlns:r="http://schemas.openxmlformats.org/officeDocument/2006/relationships" xmlns:p="http://schemas.openxmlformats.org/presentationml/2006/main">
   <p:cSld>
@@ -5479,7 +5614,7 @@
               <a:t>Background: </a:t>
             </a:r>
             <a:r>
-              <a:rPr lang="en-US" sz="1600" dirty="0" smtClean="0"/>
+              <a:rPr lang="en-US" sz="1500" dirty="0"/>
               <a:t>There are no current Raytheon non-web based mapping applications on an Android device. </a:t>
             </a:r>
           </a:p>
@@ -5495,11 +5630,15 @@
             </a:pPr>
             <a:r>
               <a:rPr lang="en-US" sz="1600" b="1" dirty="0" smtClean="0"/>
-              <a:t>CONOPS: (</a:t>
+              <a:t>CONOPS: </a:t>
             </a:r>
             <a:r>
               <a:rPr lang="en-US" sz="1600" dirty="0" smtClean="0"/>
-              <a:t>Concept of Operations) The application is intended for soldiers, law enforcement officers, or other personnel without access to the Internet. The application will be compatible with Android devices.</a:t>
+              <a:t>(Concept of Operations) </a:t>
+            </a:r>
+            <a:r>
+              <a:rPr lang="en-US" sz="1500" dirty="0"/>
+              <a:t>The application is intended for soldiers, law enforcement officers, or other personnel without access to the Internet. The application will be compatible with Android devices.</a:t>
             </a:r>
           </a:p>
           <a:p>
@@ -5521,15 +5660,15 @@
           <a:p>
             <a:pPr marL="233363" indent="-177800"/>
             <a:r>
-              <a:rPr lang="en-US" sz="1600" dirty="0" smtClean="0"/>
-              <a:t>Raytheon will provide one 10” Samsung Galaxy Tablet</a:t>
+              <a:rPr lang="en-US" sz="1500" dirty="0"/>
+              <a:t>Map data exists in a format that can be easily manipulated</a:t>
             </a:r>
           </a:p>
           <a:p>
             <a:pPr marL="233363" indent="-177800"/>
             <a:r>
-              <a:rPr lang="en-US" sz="1600" dirty="0" smtClean="0"/>
-              <a:t>Raytheon will provide one 7” Samsung Galaxy Tablet</a:t>
+              <a:rPr lang="en-US" sz="1500" dirty="0"/>
+              <a:t>Android device can cache enough map data to allow for smooth map transitions</a:t>
             </a:r>
           </a:p>
           <a:p>
@@ -5695,12 +5834,12 @@
               <a:t>	Critical </a:t>
             </a:r>
             <a:r>
-              <a:rPr lang="en-US" sz="1600" dirty="0" err="1" smtClean="0"/>
-              <a:t>Desgin</a:t>
-            </a:r>
-            <a:r>
               <a:rPr lang="en-US" sz="1600" dirty="0" smtClean="0"/>
-              <a:t> Review (CDR) – 13 Feb 2013</a:t>
+              <a:t>Design </a:t>
+            </a:r>
+            <a:r>
+              <a:rPr lang="en-US" sz="1600" dirty="0" smtClean="0"/>
+              <a:t>Review (CDR) – 13 Feb 2013</a:t>
             </a:r>
           </a:p>
         </p:txBody>
@@ -5723,7 +5862,7 @@
             <a:fld id="{373724D0-DD0F-42EF-84DE-838DB5D26951}" type="datetime1">
               <a:rPr lang="en-US" smtClean="0"/>
               <a:pPr/>
-              <a:t>11/13/2012</a:t>
+              <a:t>11/14/2012</a:t>
             </a:fld>
             <a:endParaRPr lang="en-US" dirty="0"/>
           </a:p>
@@ -5866,7 +6005,7 @@
             <a:fld id="{373724D0-DD0F-42EF-84DE-838DB5D26951}" type="datetime1">
               <a:rPr lang="en-US" smtClean="0"/>
               <a:pPr/>
-              <a:t>11/13/2012</a:t>
+              <a:t>11/14/2012</a:t>
             </a:fld>
             <a:endParaRPr lang="en-US" dirty="0"/>
           </a:p>
@@ -7874,7 +8013,7 @@
             <a:fld id="{373724D0-DD0F-42EF-84DE-838DB5D26951}" type="datetime1">
               <a:rPr lang="en-US" smtClean="0"/>
               <a:pPr/>
-              <a:t>11/13/2012</a:t>
+              <a:t>11/14/2012</a:t>
             </a:fld>
             <a:endParaRPr lang="en-US" dirty="0"/>
           </a:p>
@@ -7981,53 +8120,109 @@
         </p:nvSpPr>
         <p:spPr/>
         <p:txBody>
-          <a:bodyPr/>
+          <a:bodyPr>
+            <a:normAutofit/>
+          </a:bodyPr>
           <a:lstStyle/>
           <a:p>
             <a:r>
               <a:rPr lang="en-US" dirty="0" smtClean="0"/>
-              <a:t>High Level Overview</a:t>
-            </a:r>
-          </a:p>
-          <a:p>
+              <a:t>High Level </a:t>
+            </a:r>
             <a:r>
               <a:rPr lang="en-US" dirty="0" smtClean="0"/>
-              <a:t>Package Diagram</a:t>
+              <a:t>Overview</a:t>
+            </a:r>
+          </a:p>
+          <a:p>
+            <a:pPr lvl="1"/>
+            <a:r>
+              <a:rPr lang="en-US" sz="2000" dirty="0"/>
+              <a:t>Details a high level overview of the system</a:t>
             </a:r>
           </a:p>
           <a:p>
             <a:r>
               <a:rPr lang="en-US" dirty="0" smtClean="0"/>
-              <a:t>System Sequence Diagrams</a:t>
+              <a:t>Package </a:t>
+            </a:r>
+            <a:r>
+              <a:rPr lang="en-US" dirty="0" smtClean="0"/>
+              <a:t>Diagram</a:t>
             </a:r>
           </a:p>
           <a:p>
             <a:pPr lvl="1"/>
             <a:r>
+              <a:rPr lang="en-US" sz="2000" dirty="0"/>
+              <a:t>Defines system modules and details their high level interactions</a:t>
+            </a:r>
+          </a:p>
+          <a:p>
+            <a:r>
               <a:rPr lang="en-US" dirty="0" smtClean="0"/>
-              <a:t>Get Map Tile</a:t>
+              <a:t>System Sequence </a:t>
+            </a:r>
+            <a:r>
+              <a:rPr lang="en-US" dirty="0" smtClean="0"/>
+              <a:t>Diagrams</a:t>
+            </a:r>
+          </a:p>
+          <a:p>
+            <a:pPr marL="800100" lvl="3" indent="-342900"/>
+            <a:r>
+              <a:rPr lang="en-US" dirty="0" smtClean="0"/>
+              <a:t>These SSDs help </a:t>
+            </a:r>
+            <a:r>
+              <a:rPr lang="en-US" dirty="0"/>
+              <a:t>describe the interaction between Android app and server, specifically with regards to the protocol of fetching map data (known as “tiles</a:t>
+            </a:r>
+            <a:r>
+              <a:rPr lang="en-US" dirty="0" smtClean="0"/>
+              <a:t>”) and receiving point of </a:t>
+            </a:r>
+            <a:r>
+              <a:rPr lang="en-US" dirty="0"/>
+              <a:t>i</a:t>
+            </a:r>
+            <a:r>
+              <a:rPr lang="en-US" dirty="0" smtClean="0"/>
+              <a:t>nterest (POI) data.</a:t>
+            </a:r>
+            <a:endParaRPr lang="en-US" dirty="0" smtClean="0"/>
+          </a:p>
+          <a:p>
+            <a:r>
+              <a:rPr lang="en-US" dirty="0" smtClean="0"/>
+              <a:t>UML </a:t>
+            </a:r>
+            <a:r>
+              <a:rPr lang="en-US" dirty="0" smtClean="0"/>
+              <a:t>Class </a:t>
+            </a:r>
+            <a:r>
+              <a:rPr lang="en-US" dirty="0" smtClean="0"/>
+              <a:t>Diagram</a:t>
             </a:r>
           </a:p>
           <a:p>
             <a:pPr lvl="1"/>
             <a:r>
-              <a:rPr lang="en-US" dirty="0" smtClean="0"/>
-              <a:t>Get POI</a:t>
-            </a:r>
-          </a:p>
-          <a:p>
-            <a:r>
-              <a:rPr lang="en-US" dirty="0" smtClean="0"/>
-              <a:t>UML Class Diagram</a:t>
+              <a:rPr lang="en-US" sz="2000" dirty="0"/>
+              <a:t>Shows all the components of the system and their interactions and dependencies</a:t>
             </a:r>
           </a:p>
           <a:p>
             <a:pPr lvl="1"/>
             <a:r>
-              <a:rPr lang="en-US" dirty="0" smtClean="0"/>
-              <a:t>Part of Final Design</a:t>
-            </a:r>
-            <a:endParaRPr lang="en-US" dirty="0"/>
+              <a:rPr lang="en-US" sz="2000" dirty="0"/>
+              <a:t>Part of Final </a:t>
+            </a:r>
+            <a:r>
+              <a:rPr lang="en-US" sz="2000" dirty="0"/>
+              <a:t>Design</a:t>
+            </a:r>
           </a:p>
         </p:txBody>
       </p:sp>
@@ -8049,7 +8244,7 @@
             <a:fld id="{373724D0-DD0F-42EF-84DE-838DB5D26951}" type="datetime1">
               <a:rPr lang="en-US" smtClean="0"/>
               <a:pPr/>
-              <a:t>11/13/2012</a:t>
+              <a:t>11/14/2012</a:t>
             </a:fld>
             <a:endParaRPr lang="en-US" dirty="0"/>
           </a:p>
@@ -8155,7 +8350,7 @@
             <a:fld id="{373724D0-DD0F-42EF-84DE-838DB5D26951}" type="datetime1">
               <a:rPr lang="en-US" smtClean="0"/>
               <a:pPr/>
-              <a:t>11/13/2012</a:t>
+              <a:t>11/14/2012</a:t>
             </a:fld>
             <a:endParaRPr lang="en-US" dirty="0"/>
           </a:p>
@@ -8326,7 +8521,7 @@
             <a:fld id="{373724D0-DD0F-42EF-84DE-838DB5D26951}" type="datetime1">
               <a:rPr lang="en-US" smtClean="0"/>
               <a:pPr/>
-              <a:t>11/13/2012</a:t>
+              <a:t>11/14/2012</a:t>
             </a:fld>
             <a:endParaRPr lang="en-US" dirty="0"/>
           </a:p>
@@ -8461,7 +8656,7 @@
             <a:fld id="{373724D0-DD0F-42EF-84DE-838DB5D26951}" type="datetime1">
               <a:rPr lang="en-US" smtClean="0"/>
               <a:pPr/>
-              <a:t>11/13/2012</a:t>
+              <a:t>11/14/2012</a:t>
             </a:fld>
             <a:endParaRPr lang="en-US" dirty="0"/>
           </a:p>
@@ -8595,7 +8790,7 @@
             <a:fld id="{373724D0-DD0F-42EF-84DE-838DB5D26951}" type="datetime1">
               <a:rPr lang="en-US" smtClean="0"/>
               <a:pPr/>
-              <a:t>11/13/2012</a:t>
+              <a:t>11/14/2012</a:t>
             </a:fld>
             <a:endParaRPr lang="en-US" dirty="0"/>
           </a:p>

--- a/Documents/PowerPoints/Senior Design Project - Gate 6 1.0.pptx
+++ b/Documents/PowerPoints/Senior Design Project - Gate 6 1.0.pptx
@@ -5,10 +5,10 @@
     <p:sldMasterId id="2147483663" r:id="rId1"/>
   </p:sldMasterIdLst>
   <p:notesMasterIdLst>
-    <p:notesMasterId r:id="rId17"/>
+    <p:notesMasterId r:id="rId18"/>
   </p:notesMasterIdLst>
   <p:handoutMasterIdLst>
-    <p:handoutMasterId r:id="rId18"/>
+    <p:handoutMasterId r:id="rId19"/>
   </p:handoutMasterIdLst>
   <p:sldIdLst>
     <p:sldId id="258" r:id="rId2"/>
@@ -20,12 +20,13 @@
     <p:sldId id="281" r:id="rId8"/>
     <p:sldId id="282" r:id="rId9"/>
     <p:sldId id="283" r:id="rId10"/>
-    <p:sldId id="275" r:id="rId11"/>
-    <p:sldId id="276" r:id="rId12"/>
-    <p:sldId id="267" r:id="rId13"/>
-    <p:sldId id="268" r:id="rId14"/>
-    <p:sldId id="269" r:id="rId15"/>
-    <p:sldId id="285" r:id="rId16"/>
+    <p:sldId id="286" r:id="rId11"/>
+    <p:sldId id="275" r:id="rId12"/>
+    <p:sldId id="276" r:id="rId13"/>
+    <p:sldId id="267" r:id="rId14"/>
+    <p:sldId id="268" r:id="rId15"/>
+    <p:sldId id="269" r:id="rId16"/>
+    <p:sldId id="285" r:id="rId17"/>
   </p:sldIdLst>
   <p:sldSz cx="9144000" cy="6858000" type="screen4x3"/>
   <p:notesSz cx="6858000" cy="9144000"/>
@@ -235,7 +236,7 @@
                 <a:latin typeface="Arial" pitchFamily="34" charset="0"/>
               </a:rPr>
               <a:pPr/>
-              <a:t>11/14/2012</a:t>
+              <a:t>12/19/2012</a:t>
             </a:fld>
             <a:endParaRPr lang="en-US" dirty="0">
               <a:latin typeface="Arial" pitchFamily="34" charset="0"/>
@@ -418,7 +419,7 @@
             <a:fld id="{FC1312E8-DAE4-4DB4-9959-6EFE043C5908}" type="datetimeFigureOut">
               <a:rPr lang="en-US" smtClean="0"/>
               <a:pPr/>
-              <a:t>11/14/2012</a:t>
+              <a:t>12/19/2012</a:t>
             </a:fld>
             <a:endParaRPr lang="en-US" dirty="0"/>
           </a:p>
@@ -893,7 +894,7 @@
             <a:fld id="{373724D0-DD0F-42EF-84DE-838DB5D26951}" type="datetime1">
               <a:rPr lang="en-US" smtClean="0"/>
               <a:pPr/>
-              <a:t>11/14/2012</a:t>
+              <a:t>12/19/2012</a:t>
             </a:fld>
             <a:endParaRPr lang="en-US" dirty="0"/>
           </a:p>
@@ -1137,7 +1138,7 @@
             <a:fld id="{7E42FB2E-ABA8-41CA-9C7C-28F5EB525474}" type="datetime1">
               <a:rPr lang="en-US" smtClean="0"/>
               <a:pPr/>
-              <a:t>11/14/2012</a:t>
+              <a:t>12/19/2012</a:t>
             </a:fld>
             <a:endParaRPr lang="en-US" dirty="0"/>
           </a:p>
@@ -1409,7 +1410,7 @@
             <a:fld id="{7E42FB2E-ABA8-41CA-9C7C-28F5EB525474}" type="datetime1">
               <a:rPr lang="en-US" smtClean="0"/>
               <a:pPr/>
-              <a:t>11/14/2012</a:t>
+              <a:t>12/19/2012</a:t>
             </a:fld>
             <a:endParaRPr lang="en-US" dirty="0"/>
           </a:p>
@@ -1822,7 +1823,7 @@
             <a:fld id="{7E42FB2E-ABA8-41CA-9C7C-28F5EB525474}" type="datetime1">
               <a:rPr lang="en-US" smtClean="0"/>
               <a:pPr/>
-              <a:t>11/14/2012</a:t>
+              <a:t>12/19/2012</a:t>
             </a:fld>
             <a:endParaRPr lang="en-US" dirty="0"/>
           </a:p>
@@ -1901,7 +1902,7 @@
             <a:fld id="{1620389F-DE1D-44C7-B37E-89BCC2F680BE}" type="datetime1">
               <a:rPr lang="en-US" smtClean="0"/>
               <a:pPr/>
-              <a:t>11/14/2012</a:t>
+              <a:t>12/19/2012</a:t>
             </a:fld>
             <a:endParaRPr lang="en-US"/>
           </a:p>
@@ -2012,7 +2013,7 @@
             <a:fld id="{7E42FB2E-ABA8-41CA-9C7C-28F5EB525474}" type="datetime1">
               <a:rPr lang="en-US" smtClean="0"/>
               <a:pPr/>
-              <a:t>11/14/2012</a:t>
+              <a:t>12/19/2012</a:t>
             </a:fld>
             <a:endParaRPr lang="en-US" dirty="0"/>
           </a:p>
@@ -2647,7 +2648,7 @@
             <a:fld id="{7E42FB2E-ABA8-41CA-9C7C-28F5EB525474}" type="datetime1">
               <a:rPr lang="en-US" smtClean="0"/>
               <a:pPr/>
-              <a:t>11/14/2012</a:t>
+              <a:t>12/19/2012</a:t>
             </a:fld>
             <a:endParaRPr lang="en-US" dirty="0"/>
           </a:p>
@@ -3075,7 +3076,11 @@
             <a:pPr lvl="0"/>
             <a:r>
               <a:rPr lang="en-US" dirty="0" smtClean="0"/>
-              <a:t>November 14, 2012</a:t>
+              <a:t>December 14, </a:t>
+            </a:r>
+            <a:r>
+              <a:rPr lang="en-US" dirty="0" smtClean="0"/>
+              <a:t>2012</a:t>
             </a:r>
           </a:p>
         </p:txBody>
@@ -3257,12 +3262,41 @@
           <a:p>
             <a:r>
               <a:rPr lang="en-US" dirty="0" smtClean="0"/>
-              <a:t>Project Schedule</a:t>
+              <a:t>Class Diagram</a:t>
             </a:r>
             <a:endParaRPr lang="en-US" dirty="0"/>
           </a:p>
         </p:txBody>
       </p:sp>
+      <p:pic>
+        <p:nvPicPr>
+          <p:cNvPr id="6" name="Content Placeholder 5"/>
+          <p:cNvPicPr>
+            <a:picLocks noGrp="1" noChangeAspect="1"/>
+          </p:cNvPicPr>
+          <p:nvPr>
+            <p:ph idx="1"/>
+          </p:nvPr>
+        </p:nvPicPr>
+        <p:blipFill>
+          <a:blip r:embed="rId2">
+            <a:extLst>
+              <a:ext uri="{28A0092B-C50C-407E-A947-70E740481C1C}">
+                <a14:useLocalDpi xmlns:a14="http://schemas.microsoft.com/office/drawing/2010/main" val="0"/>
+              </a:ext>
+            </a:extLst>
+          </a:blip>
+          <a:stretch>
+            <a:fillRect/>
+          </a:stretch>
+        </p:blipFill>
+        <p:spPr>
+          <a:xfrm>
+            <a:off x="1031220" y="1152329"/>
+            <a:ext cx="7081559" cy="4823217"/>
+          </a:xfrm>
+        </p:spPr>
+      </p:pic>
       <p:sp>
         <p:nvSpPr>
           <p:cNvPr id="4" name="Date Placeholder 3"/>
@@ -3281,7 +3315,7 @@
             <a:fld id="{373724D0-DD0F-42EF-84DE-838DB5D26951}" type="datetime1">
               <a:rPr lang="en-US" smtClean="0"/>
               <a:pPr/>
-              <a:t>11/14/2012</a:t>
+              <a:t>12/19/2012</a:t>
             </a:fld>
             <a:endParaRPr lang="en-US" dirty="0"/>
           </a:p>
@@ -3306,6 +3340,119 @@
               <a:rPr lang="en-US" smtClean="0"/>
               <a:pPr/>
               <a:t>10</a:t>
+            </a:fld>
+            <a:endParaRPr lang="en-US"/>
+          </a:p>
+        </p:txBody>
+      </p:sp>
+    </p:spTree>
+    <p:extLst>
+      <p:ext uri="{BB962C8B-B14F-4D97-AF65-F5344CB8AC3E}">
+        <p14:creationId xmlns:p14="http://schemas.microsoft.com/office/powerpoint/2010/main" val="4159158884"/>
+      </p:ext>
+    </p:extLst>
+  </p:cSld>
+  <p:clrMapOvr>
+    <a:masterClrMapping/>
+  </p:clrMapOvr>
+  <p:transition>
+    <p:fade/>
+  </p:transition>
+  <p:timing>
+    <p:tnLst>
+      <p:par>
+        <p:cTn id="1" dur="indefinite" restart="never" nodeType="tmRoot"/>
+      </p:par>
+    </p:tnLst>
+  </p:timing>
+</p:sld>
+</file>
+
+<file path=ppt/slides/slide11.xml><?xml version="1.0" encoding="utf-8"?>
+<p:sld xmlns:a="http://schemas.openxmlformats.org/drawingml/2006/main" xmlns:r="http://schemas.openxmlformats.org/officeDocument/2006/relationships" xmlns:p="http://schemas.openxmlformats.org/presentationml/2006/main" show="0">
+  <p:cSld>
+    <p:spTree>
+      <p:nvGrpSpPr>
+        <p:cNvPr id="1" name=""/>
+        <p:cNvGrpSpPr/>
+        <p:nvPr/>
+      </p:nvGrpSpPr>
+      <p:grpSpPr>
+        <a:xfrm>
+          <a:off x="0" y="0"/>
+          <a:ext cx="0" cy="0"/>
+          <a:chOff x="0" y="0"/>
+          <a:chExt cx="0" cy="0"/>
+        </a:xfrm>
+      </p:grpSpPr>
+      <p:sp>
+        <p:nvSpPr>
+          <p:cNvPr id="2" name="Title 1"/>
+          <p:cNvSpPr>
+            <a:spLocks noGrp="1"/>
+          </p:cNvSpPr>
+          <p:nvPr>
+            <p:ph type="title"/>
+          </p:nvPr>
+        </p:nvSpPr>
+        <p:spPr/>
+        <p:txBody>
+          <a:bodyPr>
+            <a:normAutofit fontScale="90000"/>
+          </a:bodyPr>
+          <a:lstStyle/>
+          <a:p>
+            <a:r>
+              <a:rPr lang="en-US" dirty="0" smtClean="0"/>
+              <a:t>Project Schedule</a:t>
+            </a:r>
+            <a:endParaRPr lang="en-US" dirty="0"/>
+          </a:p>
+        </p:txBody>
+      </p:sp>
+      <p:sp>
+        <p:nvSpPr>
+          <p:cNvPr id="4" name="Date Placeholder 3"/>
+          <p:cNvSpPr>
+            <a:spLocks noGrp="1"/>
+          </p:cNvSpPr>
+          <p:nvPr>
+            <p:ph type="dt" sz="half" idx="10"/>
+          </p:nvPr>
+        </p:nvSpPr>
+        <p:spPr/>
+        <p:txBody>
+          <a:bodyPr/>
+          <a:lstStyle/>
+          <a:p>
+            <a:fld id="{373724D0-DD0F-42EF-84DE-838DB5D26951}" type="datetime1">
+              <a:rPr lang="en-US" smtClean="0"/>
+              <a:pPr/>
+              <a:t>12/19/2012</a:t>
+            </a:fld>
+            <a:endParaRPr lang="en-US" dirty="0"/>
+          </a:p>
+        </p:txBody>
+      </p:sp>
+      <p:sp>
+        <p:nvSpPr>
+          <p:cNvPr id="5" name="Slide Number Placeholder 4"/>
+          <p:cNvSpPr>
+            <a:spLocks noGrp="1"/>
+          </p:cNvSpPr>
+          <p:nvPr>
+            <p:ph type="sldNum" sz="quarter" idx="12"/>
+          </p:nvPr>
+        </p:nvSpPr>
+        <p:spPr/>
+        <p:txBody>
+          <a:bodyPr/>
+          <a:lstStyle/>
+          <a:p>
+            <a:fld id="{8D57DBB9-07C6-49AB-BFD5-E737C7E241F6}" type="slidenum">
+              <a:rPr lang="en-US" smtClean="0"/>
+              <a:pPr/>
+              <a:t>11</a:t>
             </a:fld>
             <a:endParaRPr lang="en-US"/>
           </a:p>
@@ -3526,148 +3673,6 @@
 </p:sld>
 </file>
 
-<file path=ppt/slides/slide11.xml><?xml version="1.0" encoding="utf-8"?>
-<p:sld xmlns:a="http://schemas.openxmlformats.org/drawingml/2006/main" xmlns:r="http://schemas.openxmlformats.org/officeDocument/2006/relationships" xmlns:p="http://schemas.openxmlformats.org/presentationml/2006/main">
-  <p:cSld>
-    <p:spTree>
-      <p:nvGrpSpPr>
-        <p:cNvPr id="1" name=""/>
-        <p:cNvGrpSpPr/>
-        <p:nvPr/>
-      </p:nvGrpSpPr>
-      <p:grpSpPr>
-        <a:xfrm>
-          <a:off x="0" y="0"/>
-          <a:ext cx="0" cy="0"/>
-          <a:chOff x="0" y="0"/>
-          <a:chExt cx="0" cy="0"/>
-        </a:xfrm>
-      </p:grpSpPr>
-      <p:sp>
-        <p:nvSpPr>
-          <p:cNvPr id="2" name="Title 1"/>
-          <p:cNvSpPr>
-            <a:spLocks noGrp="1"/>
-          </p:cNvSpPr>
-          <p:nvPr>
-            <p:ph type="title"/>
-          </p:nvPr>
-        </p:nvSpPr>
-        <p:spPr>
-          <a:xfrm>
-            <a:off x="715113" y="3456500"/>
-            <a:ext cx="7772400" cy="1362075"/>
-          </a:xfrm>
-        </p:spPr>
-        <p:txBody>
-          <a:bodyPr/>
-          <a:lstStyle/>
-          <a:p>
-            <a:r>
-              <a:rPr lang="en-US" dirty="0"/>
-              <a:t>Backup Slides</a:t>
-            </a:r>
-          </a:p>
-        </p:txBody>
-      </p:sp>
-      <p:sp>
-        <p:nvSpPr>
-          <p:cNvPr id="3" name="Text Placeholder 2"/>
-          <p:cNvSpPr>
-            <a:spLocks noGrp="1"/>
-          </p:cNvSpPr>
-          <p:nvPr>
-            <p:ph type="body" idx="1"/>
-          </p:nvPr>
-        </p:nvSpPr>
-        <p:spPr>
-          <a:xfrm>
-            <a:off x="715113" y="3871513"/>
-            <a:ext cx="7772400" cy="1500187"/>
-          </a:xfrm>
-        </p:spPr>
-        <p:txBody>
-          <a:bodyPr/>
-          <a:lstStyle/>
-          <a:p>
-            <a:r>
-              <a:rPr lang="en-US" dirty="0"/>
-              <a:t>Include extra slides if discussion goes ‘deeper’ and all slides from after meeting</a:t>
-            </a:r>
-          </a:p>
-          <a:p>
-            <a:endParaRPr lang="en-US" dirty="0"/>
-          </a:p>
-        </p:txBody>
-      </p:sp>
-      <p:sp>
-        <p:nvSpPr>
-          <p:cNvPr id="4" name="Date Placeholder 3"/>
-          <p:cNvSpPr>
-            <a:spLocks noGrp="1"/>
-          </p:cNvSpPr>
-          <p:nvPr>
-            <p:ph type="dt" sz="half" idx="10"/>
-          </p:nvPr>
-        </p:nvSpPr>
-        <p:spPr/>
-        <p:txBody>
-          <a:bodyPr/>
-          <a:lstStyle/>
-          <a:p>
-            <a:fld id="{7E42FB2E-ABA8-41CA-9C7C-28F5EB525474}" type="datetime1">
-              <a:rPr lang="en-US" smtClean="0"/>
-              <a:pPr/>
-              <a:t>11/14/2012</a:t>
-            </a:fld>
-            <a:endParaRPr lang="en-US" dirty="0"/>
-          </a:p>
-        </p:txBody>
-      </p:sp>
-      <p:sp>
-        <p:nvSpPr>
-          <p:cNvPr id="5" name="Slide Number Placeholder 4"/>
-          <p:cNvSpPr>
-            <a:spLocks noGrp="1"/>
-          </p:cNvSpPr>
-          <p:nvPr>
-            <p:ph type="sldNum" sz="quarter" idx="12"/>
-          </p:nvPr>
-        </p:nvSpPr>
-        <p:spPr/>
-        <p:txBody>
-          <a:bodyPr/>
-          <a:lstStyle/>
-          <a:p>
-            <a:fld id="{8D57DBB9-07C6-49AB-BFD5-E737C7E241F6}" type="slidenum">
-              <a:rPr lang="en-US" smtClean="0"/>
-              <a:pPr/>
-              <a:t>11</a:t>
-            </a:fld>
-            <a:endParaRPr lang="en-US" dirty="0"/>
-          </a:p>
-        </p:txBody>
-      </p:sp>
-    </p:spTree>
-    <p:extLst>
-      <p:ext uri="{BB962C8B-B14F-4D97-AF65-F5344CB8AC3E}">
-        <p14:creationId xmlns:p14="http://schemas.microsoft.com/office/powerpoint/2010/main" val="3827783441"/>
-      </p:ext>
-    </p:extLst>
-  </p:cSld>
-  <p:clrMapOvr>
-    <a:masterClrMapping/>
-  </p:clrMapOvr>
-  <p:timing>
-    <p:tnLst>
-      <p:par>
-        <p:cTn id="1" dur="indefinite" restart="never" nodeType="tmRoot"/>
-      </p:par>
-    </p:tnLst>
-  </p:timing>
-</p:sld>
-</file>
-
 <file path=ppt/slides/slide12.xml><?xml version="1.0" encoding="utf-8"?>
 <p:sld xmlns:a="http://schemas.openxmlformats.org/drawingml/2006/main" xmlns:r="http://schemas.openxmlformats.org/officeDocument/2006/relationships" xmlns:p="http://schemas.openxmlformats.org/presentationml/2006/main">
   <p:cSld>
@@ -3687,7 +3692,7 @@
       </p:grpSpPr>
       <p:sp>
         <p:nvSpPr>
-          <p:cNvPr id="7" name="Title 6"/>
+          <p:cNvPr id="2" name="Title 1"/>
           <p:cNvSpPr>
             <a:spLocks noGrp="1"/>
           </p:cNvSpPr>
@@ -3695,126 +3700,49 @@
             <p:ph type="title"/>
           </p:nvPr>
         </p:nvSpPr>
-        <p:spPr/>
-        <p:txBody>
-          <a:bodyPr>
-            <a:normAutofit fontScale="90000"/>
-          </a:bodyPr>
+        <p:spPr>
+          <a:xfrm>
+            <a:off x="715113" y="3456500"/>
+            <a:ext cx="7772400" cy="1362075"/>
+          </a:xfrm>
+        </p:spPr>
+        <p:txBody>
+          <a:bodyPr/>
           <a:lstStyle/>
           <a:p>
             <a:r>
-              <a:rPr lang="en-US" dirty="0" smtClean="0"/>
-              <a:t>Project Schedule &amp; Milestones</a:t>
-            </a:r>
-            <a:endParaRPr lang="en-US" dirty="0"/>
-          </a:p>
-        </p:txBody>
-      </p:sp>
-      <p:sp>
-        <p:nvSpPr>
-          <p:cNvPr id="8" name="Content Placeholder 7"/>
+              <a:rPr lang="en-US" dirty="0"/>
+              <a:t>Backup Slides</a:t>
+            </a:r>
+          </a:p>
+        </p:txBody>
+      </p:sp>
+      <p:sp>
+        <p:nvSpPr>
+          <p:cNvPr id="3" name="Text Placeholder 2"/>
           <p:cNvSpPr>
             <a:spLocks noGrp="1"/>
           </p:cNvSpPr>
           <p:nvPr>
-            <p:ph idx="1"/>
-          </p:nvPr>
-        </p:nvSpPr>
-        <p:spPr/>
+            <p:ph type="body" idx="1"/>
+          </p:nvPr>
+        </p:nvSpPr>
+        <p:spPr>
+          <a:xfrm>
+            <a:off x="715113" y="3871513"/>
+            <a:ext cx="7772400" cy="1500187"/>
+          </a:xfrm>
+        </p:spPr>
         <p:txBody>
           <a:bodyPr/>
           <a:lstStyle/>
           <a:p>
             <a:r>
-              <a:rPr lang="en-US" dirty="0" smtClean="0"/>
-              <a:t>System Requirements Review:  September 26</a:t>
-            </a:r>
-            <a:r>
-              <a:rPr lang="en-US" baseline="30000" dirty="0" smtClean="0"/>
-              <a:t>th</a:t>
-            </a:r>
-          </a:p>
-          <a:p>
-            <a:r>
-              <a:rPr lang="en-US" dirty="0" smtClean="0"/>
-              <a:t>Preliminary Design Review:        November 14</a:t>
-            </a:r>
-            <a:r>
-              <a:rPr lang="en-US" baseline="30000" dirty="0" smtClean="0"/>
-              <a:t>th</a:t>
-            </a:r>
-            <a:endParaRPr lang="en-US" dirty="0" smtClean="0"/>
-          </a:p>
-          <a:p>
-            <a:r>
-              <a:rPr lang="en-US" dirty="0" smtClean="0"/>
-              <a:t>Alpha Release:                              December 19</a:t>
-            </a:r>
-            <a:r>
-              <a:rPr lang="en-US" baseline="30000" dirty="0" smtClean="0"/>
-              <a:t>th</a:t>
-            </a:r>
-          </a:p>
-          <a:p>
-            <a:r>
-              <a:rPr lang="en-US" dirty="0" smtClean="0"/>
-              <a:t>Beta Release:                                     February 6</a:t>
-            </a:r>
-            <a:r>
-              <a:rPr lang="en-US" baseline="30000" dirty="0" smtClean="0"/>
-              <a:t>th</a:t>
-            </a:r>
-            <a:r>
-              <a:rPr lang="en-US" dirty="0" smtClean="0"/>
-              <a:t> </a:t>
-            </a:r>
-          </a:p>
-          <a:p>
-            <a:r>
-              <a:rPr lang="en-US" dirty="0" smtClean="0"/>
-              <a:t>Critical Design Review:                     February 6</a:t>
-            </a:r>
-            <a:r>
-              <a:rPr lang="en-US" baseline="30000" dirty="0" smtClean="0"/>
-              <a:t>th</a:t>
-            </a:r>
-            <a:endParaRPr lang="en-US" dirty="0" smtClean="0"/>
-          </a:p>
-          <a:p>
-            <a:r>
-              <a:rPr lang="en-US" dirty="0" smtClean="0"/>
-              <a:t>Test Readiness Review:                       March 20</a:t>
-            </a:r>
-            <a:r>
-              <a:rPr lang="en-US" baseline="30000" dirty="0" smtClean="0"/>
-              <a:t>th</a:t>
-            </a:r>
-            <a:endParaRPr lang="en-US" dirty="0" smtClean="0"/>
-          </a:p>
-          <a:p>
-            <a:r>
-              <a:rPr lang="en-US" dirty="0" smtClean="0"/>
-              <a:t>Final Release:                                          April 17</a:t>
-            </a:r>
-            <a:r>
-              <a:rPr lang="en-US" baseline="30000" dirty="0" smtClean="0"/>
-              <a:t>th</a:t>
-            </a:r>
-            <a:endParaRPr lang="en-US" dirty="0" smtClean="0"/>
-          </a:p>
-          <a:p>
-            <a:r>
-              <a:rPr lang="en-US" dirty="0" smtClean="0"/>
-              <a:t>Expo/Out brief:                                       May 22</a:t>
-            </a:r>
-            <a:r>
-              <a:rPr lang="en-US" baseline="30000" dirty="0" smtClean="0"/>
-              <a:t>nd</a:t>
-            </a:r>
-            <a:r>
-              <a:rPr lang="en-US" dirty="0" smtClean="0"/>
-              <a:t> </a:t>
-            </a:r>
+              <a:rPr lang="en-US" dirty="0"/>
+              <a:t>Include extra slides if discussion goes ‘deeper’ and all slides from after meeting</a:t>
+            </a:r>
+          </a:p>
+          <a:p>
             <a:endParaRPr lang="en-US" dirty="0"/>
           </a:p>
         </p:txBody>
@@ -3837,7 +3765,7 @@
             <a:fld id="{7E42FB2E-ABA8-41CA-9C7C-28F5EB525474}" type="datetime1">
               <a:rPr lang="en-US" smtClean="0"/>
               <a:pPr/>
-              <a:t>11/14/2012</a:t>
+              <a:t>12/19/2012</a:t>
             </a:fld>
             <a:endParaRPr lang="en-US" dirty="0"/>
           </a:p>
@@ -3870,16 +3798,13 @@
     </p:spTree>
     <p:extLst>
       <p:ext uri="{BB962C8B-B14F-4D97-AF65-F5344CB8AC3E}">
-        <p14:creationId xmlns:p14="http://schemas.microsoft.com/office/powerpoint/2010/main" val="3661795386"/>
+        <p14:creationId xmlns:p14="http://schemas.microsoft.com/office/powerpoint/2010/main" val="3827783441"/>
       </p:ext>
     </p:extLst>
   </p:cSld>
   <p:clrMapOvr>
     <a:masterClrMapping/>
   </p:clrMapOvr>
-  <p:transition>
-    <p:fade/>
-  </p:transition>
   <p:timing>
     <p:tnLst>
       <p:par>
@@ -3909,6 +3834,228 @@
       </p:grpSpPr>
       <p:sp>
         <p:nvSpPr>
+          <p:cNvPr id="7" name="Title 6"/>
+          <p:cNvSpPr>
+            <a:spLocks noGrp="1"/>
+          </p:cNvSpPr>
+          <p:nvPr>
+            <p:ph type="title"/>
+          </p:nvPr>
+        </p:nvSpPr>
+        <p:spPr/>
+        <p:txBody>
+          <a:bodyPr>
+            <a:normAutofit fontScale="90000"/>
+          </a:bodyPr>
+          <a:lstStyle/>
+          <a:p>
+            <a:r>
+              <a:rPr lang="en-US" dirty="0" smtClean="0"/>
+              <a:t>Project Schedule &amp; Milestones</a:t>
+            </a:r>
+            <a:endParaRPr lang="en-US" dirty="0"/>
+          </a:p>
+        </p:txBody>
+      </p:sp>
+      <p:sp>
+        <p:nvSpPr>
+          <p:cNvPr id="8" name="Content Placeholder 7"/>
+          <p:cNvSpPr>
+            <a:spLocks noGrp="1"/>
+          </p:cNvSpPr>
+          <p:nvPr>
+            <p:ph idx="1"/>
+          </p:nvPr>
+        </p:nvSpPr>
+        <p:spPr/>
+        <p:txBody>
+          <a:bodyPr/>
+          <a:lstStyle/>
+          <a:p>
+            <a:r>
+              <a:rPr lang="en-US" dirty="0" smtClean="0"/>
+              <a:t>System Requirements Review:  September 26</a:t>
+            </a:r>
+            <a:r>
+              <a:rPr lang="en-US" baseline="30000" dirty="0" smtClean="0"/>
+              <a:t>th</a:t>
+            </a:r>
+          </a:p>
+          <a:p>
+            <a:r>
+              <a:rPr lang="en-US" dirty="0" smtClean="0"/>
+              <a:t>Preliminary Design Review:        November 14</a:t>
+            </a:r>
+            <a:r>
+              <a:rPr lang="en-US" baseline="30000" dirty="0" smtClean="0"/>
+              <a:t>th</a:t>
+            </a:r>
+            <a:endParaRPr lang="en-US" dirty="0" smtClean="0"/>
+          </a:p>
+          <a:p>
+            <a:r>
+              <a:rPr lang="en-US" dirty="0" smtClean="0"/>
+              <a:t>Alpha Release:                              December 19</a:t>
+            </a:r>
+            <a:r>
+              <a:rPr lang="en-US" baseline="30000" dirty="0" smtClean="0"/>
+              <a:t>th</a:t>
+            </a:r>
+          </a:p>
+          <a:p>
+            <a:r>
+              <a:rPr lang="en-US" dirty="0" smtClean="0"/>
+              <a:t>Beta Release:                                     February 6</a:t>
+            </a:r>
+            <a:r>
+              <a:rPr lang="en-US" baseline="30000" dirty="0" smtClean="0"/>
+              <a:t>th</a:t>
+            </a:r>
+            <a:r>
+              <a:rPr lang="en-US" dirty="0" smtClean="0"/>
+              <a:t> </a:t>
+            </a:r>
+          </a:p>
+          <a:p>
+            <a:r>
+              <a:rPr lang="en-US" dirty="0" smtClean="0"/>
+              <a:t>Critical Design Review:                     February 6</a:t>
+            </a:r>
+            <a:r>
+              <a:rPr lang="en-US" baseline="30000" dirty="0" smtClean="0"/>
+              <a:t>th</a:t>
+            </a:r>
+            <a:endParaRPr lang="en-US" dirty="0" smtClean="0"/>
+          </a:p>
+          <a:p>
+            <a:r>
+              <a:rPr lang="en-US" dirty="0" smtClean="0"/>
+              <a:t>Test Readiness Review:                       March 20</a:t>
+            </a:r>
+            <a:r>
+              <a:rPr lang="en-US" baseline="30000" dirty="0" smtClean="0"/>
+              <a:t>th</a:t>
+            </a:r>
+            <a:endParaRPr lang="en-US" dirty="0" smtClean="0"/>
+          </a:p>
+          <a:p>
+            <a:r>
+              <a:rPr lang="en-US" dirty="0" smtClean="0"/>
+              <a:t>Final Release:                                          April 17</a:t>
+            </a:r>
+            <a:r>
+              <a:rPr lang="en-US" baseline="30000" dirty="0" smtClean="0"/>
+              <a:t>th</a:t>
+            </a:r>
+            <a:endParaRPr lang="en-US" dirty="0" smtClean="0"/>
+          </a:p>
+          <a:p>
+            <a:r>
+              <a:rPr lang="en-US" dirty="0" smtClean="0"/>
+              <a:t>Expo/Out brief:                                       May 22</a:t>
+            </a:r>
+            <a:r>
+              <a:rPr lang="en-US" baseline="30000" dirty="0" smtClean="0"/>
+              <a:t>nd</a:t>
+            </a:r>
+            <a:r>
+              <a:rPr lang="en-US" dirty="0" smtClean="0"/>
+              <a:t> </a:t>
+            </a:r>
+            <a:endParaRPr lang="en-US" dirty="0"/>
+          </a:p>
+        </p:txBody>
+      </p:sp>
+      <p:sp>
+        <p:nvSpPr>
+          <p:cNvPr id="4" name="Date Placeholder 3"/>
+          <p:cNvSpPr>
+            <a:spLocks noGrp="1"/>
+          </p:cNvSpPr>
+          <p:nvPr>
+            <p:ph type="dt" sz="half" idx="10"/>
+          </p:nvPr>
+        </p:nvSpPr>
+        <p:spPr/>
+        <p:txBody>
+          <a:bodyPr/>
+          <a:lstStyle/>
+          <a:p>
+            <a:fld id="{7E42FB2E-ABA8-41CA-9C7C-28F5EB525474}" type="datetime1">
+              <a:rPr lang="en-US" smtClean="0"/>
+              <a:pPr/>
+              <a:t>12/19/2012</a:t>
+            </a:fld>
+            <a:endParaRPr lang="en-US" dirty="0"/>
+          </a:p>
+        </p:txBody>
+      </p:sp>
+      <p:sp>
+        <p:nvSpPr>
+          <p:cNvPr id="5" name="Slide Number Placeholder 4"/>
+          <p:cNvSpPr>
+            <a:spLocks noGrp="1"/>
+          </p:cNvSpPr>
+          <p:nvPr>
+            <p:ph type="sldNum" sz="quarter" idx="12"/>
+          </p:nvPr>
+        </p:nvSpPr>
+        <p:spPr/>
+        <p:txBody>
+          <a:bodyPr/>
+          <a:lstStyle/>
+          <a:p>
+            <a:fld id="{8D57DBB9-07C6-49AB-BFD5-E737C7E241F6}" type="slidenum">
+              <a:rPr lang="en-US" smtClean="0"/>
+              <a:pPr/>
+              <a:t>13</a:t>
+            </a:fld>
+            <a:endParaRPr lang="en-US" dirty="0"/>
+          </a:p>
+        </p:txBody>
+      </p:sp>
+    </p:spTree>
+    <p:extLst>
+      <p:ext uri="{BB962C8B-B14F-4D97-AF65-F5344CB8AC3E}">
+        <p14:creationId xmlns:p14="http://schemas.microsoft.com/office/powerpoint/2010/main" val="3661795386"/>
+      </p:ext>
+    </p:extLst>
+  </p:cSld>
+  <p:clrMapOvr>
+    <a:masterClrMapping/>
+  </p:clrMapOvr>
+  <p:transition>
+    <p:fade/>
+  </p:transition>
+  <p:timing>
+    <p:tnLst>
+      <p:par>
+        <p:cTn id="1" dur="indefinite" restart="never" nodeType="tmRoot"/>
+      </p:par>
+    </p:tnLst>
+  </p:timing>
+</p:sld>
+</file>
+
+<file path=ppt/slides/slide14.xml><?xml version="1.0" encoding="utf-8"?>
+<p:sld xmlns:a="http://schemas.openxmlformats.org/drawingml/2006/main" xmlns:r="http://schemas.openxmlformats.org/officeDocument/2006/relationships" xmlns:p="http://schemas.openxmlformats.org/presentationml/2006/main">
+  <p:cSld>
+    <p:spTree>
+      <p:nvGrpSpPr>
+        <p:cNvPr id="1" name=""/>
+        <p:cNvGrpSpPr/>
+        <p:nvPr/>
+      </p:nvGrpSpPr>
+      <p:grpSpPr>
+        <a:xfrm>
+          <a:off x="0" y="0"/>
+          <a:ext cx="0" cy="0"/>
+          <a:chOff x="0" y="0"/>
+          <a:chExt cx="0" cy="0"/>
+        </a:xfrm>
+      </p:grpSpPr>
+      <p:sp>
+        <p:nvSpPr>
           <p:cNvPr id="6" name="Title 5"/>
           <p:cNvSpPr>
             <a:spLocks noGrp="1"/>
@@ -3955,7 +4102,7 @@
             <a:fld id="{7E42FB2E-ABA8-41CA-9C7C-28F5EB525474}" type="datetime1">
               <a:rPr lang="en-US" smtClean="0"/>
               <a:pPr/>
-              <a:t>11/14/2012</a:t>
+              <a:t>12/19/2012</a:t>
             </a:fld>
             <a:endParaRPr lang="en-US" dirty="0"/>
           </a:p>
@@ -3979,7 +4126,7 @@
             <a:fld id="{8D57DBB9-07C6-49AB-BFD5-E737C7E241F6}" type="slidenum">
               <a:rPr lang="en-US" smtClean="0"/>
               <a:pPr/>
-              <a:t>13</a:t>
+              <a:t>14</a:t>
             </a:fld>
             <a:endParaRPr lang="en-US" dirty="0"/>
           </a:p>
@@ -5217,7 +5364,7 @@
 </p:sld>
 </file>
 
-<file path=ppt/slides/slide14.xml><?xml version="1.0" encoding="utf-8"?>
+<file path=ppt/slides/slide15.xml><?xml version="1.0" encoding="utf-8"?>
 <p:sld xmlns:a="http://schemas.openxmlformats.org/drawingml/2006/main" xmlns:r="http://schemas.openxmlformats.org/officeDocument/2006/relationships" xmlns:p="http://schemas.openxmlformats.org/presentationml/2006/main">
   <p:cSld>
     <p:spTree>
@@ -5302,7 +5449,6 @@
               <a:rPr lang="en-US" sz="2400" dirty="0" smtClean="0"/>
               <a:t>manner</a:t>
             </a:r>
-            <a:endParaRPr lang="en-US" sz="2400" dirty="0" smtClean="0"/>
           </a:p>
           <a:p>
             <a:r>
@@ -5324,7 +5470,6 @@
               <a:rPr lang="en-US" sz="2400" dirty="0" smtClean="0"/>
               <a:t>Android device can cache enough map data to allow for smooth map transitions</a:t>
             </a:r>
-            <a:endParaRPr lang="en-US" sz="2400" dirty="0" smtClean="0"/>
           </a:p>
           <a:p>
             <a:r>
@@ -5359,7 +5504,7 @@
             <a:fld id="{1620389F-DE1D-44C7-B37E-89BCC2F680BE}" type="datetime1">
               <a:rPr lang="en-US" smtClean="0"/>
               <a:pPr/>
-              <a:t>11/14/2012</a:t>
+              <a:t>12/19/2012</a:t>
             </a:fld>
             <a:endParaRPr lang="en-US"/>
           </a:p>
@@ -5383,7 +5528,7 @@
             <a:fld id="{8D57DBB9-07C6-49AB-BFD5-E737C7E241F6}" type="slidenum">
               <a:rPr lang="en-US" smtClean="0"/>
               <a:pPr/>
-              <a:t>14</a:t>
+              <a:t>15</a:t>
             </a:fld>
             <a:endParaRPr lang="en-US"/>
           </a:p>
@@ -5412,7 +5557,7 @@
 </p:sld>
 </file>
 
-<file path=ppt/slides/slide15.xml><?xml version="1.0" encoding="utf-8"?>
+<file path=ppt/slides/slide16.xml><?xml version="1.0" encoding="utf-8"?>
 <p:sld xmlns:a="http://schemas.openxmlformats.org/drawingml/2006/main" xmlns:r="http://schemas.openxmlformats.org/officeDocument/2006/relationships" xmlns:p="http://schemas.openxmlformats.org/presentationml/2006/main">
   <p:cSld>
     <p:spTree>
@@ -5501,7 +5646,7 @@
             <a:fld id="{373724D0-DD0F-42EF-84DE-838DB5D26951}" type="datetime1">
               <a:rPr lang="en-US" smtClean="0"/>
               <a:pPr/>
-              <a:t>11/14/2012</a:t>
+              <a:t>12/19/2012</a:t>
             </a:fld>
             <a:endParaRPr lang="en-US" dirty="0"/>
           </a:p>
@@ -5525,7 +5670,7 @@
             <a:fld id="{8D57DBB9-07C6-49AB-BFD5-E737C7E241F6}" type="slidenum">
               <a:rPr lang="en-US" smtClean="0"/>
               <a:pPr/>
-              <a:t>15</a:t>
+              <a:t>16</a:t>
             </a:fld>
             <a:endParaRPr lang="en-US"/>
           </a:p>
@@ -5831,15 +5976,7 @@
             </a:pPr>
             <a:r>
               <a:rPr lang="en-US" sz="1600" dirty="0" smtClean="0"/>
-              <a:t>	Critical </a:t>
-            </a:r>
-            <a:r>
-              <a:rPr lang="en-US" sz="1600" dirty="0" smtClean="0"/>
-              <a:t>Design </a:t>
-            </a:r>
-            <a:r>
-              <a:rPr lang="en-US" sz="1600" dirty="0" smtClean="0"/>
-              <a:t>Review (CDR) – 13 Feb 2013</a:t>
+              <a:t>	Critical Design Review (CDR) – 13 Feb 2013</a:t>
             </a:r>
           </a:p>
         </p:txBody>
@@ -5862,7 +5999,7 @@
             <a:fld id="{373724D0-DD0F-42EF-84DE-838DB5D26951}" type="datetime1">
               <a:rPr lang="en-US" smtClean="0"/>
               <a:pPr/>
-              <a:t>11/14/2012</a:t>
+              <a:t>12/19/2012</a:t>
             </a:fld>
             <a:endParaRPr lang="en-US" dirty="0"/>
           </a:p>
@@ -5946,7 +6083,7 @@
 </file>
 
 <file path=ppt/slides/slide3.xml><?xml version="1.0" encoding="utf-8"?>
-<p:sld xmlns:a="http://schemas.openxmlformats.org/drawingml/2006/main" xmlns:r="http://schemas.openxmlformats.org/officeDocument/2006/relationships" xmlns:p="http://schemas.openxmlformats.org/presentationml/2006/main">
+<p:sld xmlns:a="http://schemas.openxmlformats.org/drawingml/2006/main" xmlns:r="http://schemas.openxmlformats.org/officeDocument/2006/relationships" xmlns:p="http://schemas.openxmlformats.org/presentationml/2006/main" show="0">
   <p:cSld>
     <p:spTree>
       <p:nvGrpSpPr>
@@ -6005,7 +6142,7 @@
             <a:fld id="{373724D0-DD0F-42EF-84DE-838DB5D26951}" type="datetime1">
               <a:rPr lang="en-US" smtClean="0"/>
               <a:pPr/>
-              <a:t>11/14/2012</a:t>
+              <a:t>12/19/2012</a:t>
             </a:fld>
             <a:endParaRPr lang="en-US" dirty="0"/>
           </a:p>
@@ -7194,7 +7331,7 @@
 </file>
 
 <file path=ppt/slides/slide4.xml><?xml version="1.0" encoding="utf-8"?>
-<p:sld xmlns:a="http://schemas.openxmlformats.org/drawingml/2006/main" xmlns:r="http://schemas.openxmlformats.org/officeDocument/2006/relationships" xmlns:p="http://schemas.openxmlformats.org/presentationml/2006/main">
+<p:sld xmlns:a="http://schemas.openxmlformats.org/drawingml/2006/main" xmlns:r="http://schemas.openxmlformats.org/officeDocument/2006/relationships" xmlns:p="http://schemas.openxmlformats.org/presentationml/2006/main" show="0">
   <p:cSld>
     <p:spTree>
       <p:nvGrpSpPr>
@@ -8013,7 +8150,7 @@
             <a:fld id="{373724D0-DD0F-42EF-84DE-838DB5D26951}" type="datetime1">
               <a:rPr lang="en-US" smtClean="0"/>
               <a:pPr/>
-              <a:t>11/14/2012</a:t>
+              <a:t>12/19/2012</a:t>
             </a:fld>
             <a:endParaRPr lang="en-US" dirty="0"/>
           </a:p>
@@ -8127,11 +8264,7 @@
           <a:p>
             <a:r>
               <a:rPr lang="en-US" dirty="0" smtClean="0"/>
-              <a:t>High Level </a:t>
-            </a:r>
-            <a:r>
-              <a:rPr lang="en-US" dirty="0" smtClean="0"/>
-              <a:t>Overview</a:t>
+              <a:t>High Level Overview</a:t>
             </a:r>
           </a:p>
           <a:p>
@@ -8144,11 +8277,7 @@
           <a:p>
             <a:r>
               <a:rPr lang="en-US" dirty="0" smtClean="0"/>
-              <a:t>Package </a:t>
-            </a:r>
-            <a:r>
-              <a:rPr lang="en-US" dirty="0" smtClean="0"/>
-              <a:t>Diagram</a:t>
+              <a:t>Package Diagram</a:t>
             </a:r>
           </a:p>
           <a:p>
@@ -8161,11 +8290,7 @@
           <a:p>
             <a:r>
               <a:rPr lang="en-US" dirty="0" smtClean="0"/>
-              <a:t>System Sequence </a:t>
-            </a:r>
-            <a:r>
-              <a:rPr lang="en-US" dirty="0" smtClean="0"/>
-              <a:t>Diagrams</a:t>
+              <a:t>System Sequence Diagrams</a:t>
             </a:r>
           </a:p>
           <a:p>
@@ -8190,39 +8315,24 @@
               <a:rPr lang="en-US" dirty="0" smtClean="0"/>
               <a:t>nterest (POI) data.</a:t>
             </a:r>
-            <a:endParaRPr lang="en-US" dirty="0" smtClean="0"/>
           </a:p>
           <a:p>
             <a:r>
               <a:rPr lang="en-US" dirty="0" smtClean="0"/>
-              <a:t>UML </a:t>
-            </a:r>
-            <a:r>
-              <a:rPr lang="en-US" dirty="0" smtClean="0"/>
-              <a:t>Class </a:t>
-            </a:r>
-            <a:r>
-              <a:rPr lang="en-US" dirty="0" smtClean="0"/>
-              <a:t>Diagram</a:t>
+              <a:t>UML Class Diagram</a:t>
             </a:r>
           </a:p>
           <a:p>
             <a:pPr lvl="1"/>
             <a:r>
               <a:rPr lang="en-US" sz="2000" dirty="0"/>
-              <a:t>Shows all the components of the system and their interactions and dependencies</a:t>
-            </a:r>
-          </a:p>
-          <a:p>
-            <a:pPr lvl="1"/>
-            <a:r>
-              <a:rPr lang="en-US" sz="2000" dirty="0"/>
-              <a:t>Part of Final </a:t>
-            </a:r>
-            <a:r>
-              <a:rPr lang="en-US" sz="2000" dirty="0"/>
-              <a:t>Design</a:t>
-            </a:r>
+              <a:t>Shows all the components of the system and their interactions and </a:t>
+            </a:r>
+            <a:r>
+              <a:rPr lang="en-US" sz="2000" dirty="0" smtClean="0"/>
+              <a:t>dependencies</a:t>
+            </a:r>
+            <a:endParaRPr lang="en-US" sz="2000" dirty="0"/>
           </a:p>
         </p:txBody>
       </p:sp>
@@ -8244,7 +8354,7 @@
             <a:fld id="{373724D0-DD0F-42EF-84DE-838DB5D26951}" type="datetime1">
               <a:rPr lang="en-US" smtClean="0"/>
               <a:pPr/>
-              <a:t>11/14/2012</a:t>
+              <a:t>12/19/2012</a:t>
             </a:fld>
             <a:endParaRPr lang="en-US" dirty="0"/>
           </a:p>
@@ -8287,6 +8397,13 @@
   <p:transition>
     <p:fade/>
   </p:transition>
+  <p:timing>
+    <p:tnLst>
+      <p:par>
+        <p:cTn id="1" dur="indefinite" restart="never" nodeType="tmRoot"/>
+      </p:par>
+    </p:tnLst>
+  </p:timing>
 </p:sld>
 </file>
 
@@ -8350,7 +8467,7 @@
             <a:fld id="{373724D0-DD0F-42EF-84DE-838DB5D26951}" type="datetime1">
               <a:rPr lang="en-US" smtClean="0"/>
               <a:pPr/>
-              <a:t>11/14/2012</a:t>
+              <a:t>12/19/2012</a:t>
             </a:fld>
             <a:endParaRPr lang="en-US" dirty="0"/>
           </a:p>
@@ -8521,7 +8638,7 @@
             <a:fld id="{373724D0-DD0F-42EF-84DE-838DB5D26951}" type="datetime1">
               <a:rPr lang="en-US" smtClean="0"/>
               <a:pPr/>
-              <a:t>11/14/2012</a:t>
+              <a:t>12/19/2012</a:t>
             </a:fld>
             <a:endParaRPr lang="en-US" dirty="0"/>
           </a:p>
@@ -8564,6 +8681,13 @@
   <p:transition>
     <p:fade/>
   </p:transition>
+  <p:timing>
+    <p:tnLst>
+      <p:par>
+        <p:cTn id="1" dur="indefinite" restart="never" nodeType="tmRoot"/>
+      </p:par>
+    </p:tnLst>
+  </p:timing>
 </p:sld>
 </file>
 
@@ -8656,7 +8780,7 @@
             <a:fld id="{373724D0-DD0F-42EF-84DE-838DB5D26951}" type="datetime1">
               <a:rPr lang="en-US" smtClean="0"/>
               <a:pPr/>
-              <a:t>11/14/2012</a:t>
+              <a:t>12/19/2012</a:t>
             </a:fld>
             <a:endParaRPr lang="en-US" dirty="0"/>
           </a:p>
@@ -8699,6 +8823,13 @@
   <p:transition>
     <p:fade/>
   </p:transition>
+  <p:timing>
+    <p:tnLst>
+      <p:par>
+        <p:cTn id="1" dur="indefinite" restart="never" nodeType="tmRoot"/>
+      </p:par>
+    </p:tnLst>
+  </p:timing>
 </p:sld>
 </file>
 
@@ -8790,7 +8921,7 @@
             <a:fld id="{373724D0-DD0F-42EF-84DE-838DB5D26951}" type="datetime1">
               <a:rPr lang="en-US" smtClean="0"/>
               <a:pPr/>
-              <a:t>11/14/2012</a:t>
+              <a:t>12/19/2012</a:t>
             </a:fld>
             <a:endParaRPr lang="en-US" dirty="0"/>
           </a:p>
@@ -8833,6 +8964,13 @@
   <p:transition>
     <p:fade/>
   </p:transition>
+  <p:timing>
+    <p:tnLst>
+      <p:par>
+        <p:cTn id="1" dur="indefinite" restart="never" nodeType="tmRoot"/>
+      </p:par>
+    </p:tnLst>
+  </p:timing>
 </p:sld>
 </file>
 
